--- a/Lecture_09.pptx
+++ b/Lecture_09.pptx
@@ -18,11 +18,11 @@
     <p:sldId id="264" r:id="rId9"/>
     <p:sldId id="265" r:id="rId10"/>
     <p:sldId id="266" r:id="rId11"/>
-    <p:sldId id="267" r:id="rId12"/>
-    <p:sldId id="268" r:id="rId13"/>
-    <p:sldId id="269" r:id="rId14"/>
-    <p:sldId id="270" r:id="rId15"/>
-    <p:sldId id="271" r:id="rId16"/>
+    <p:sldId id="274" r:id="rId12"/>
+    <p:sldId id="267" r:id="rId13"/>
+    <p:sldId id="268" r:id="rId14"/>
+    <p:sldId id="269" r:id="rId15"/>
+    <p:sldId id="270" r:id="rId16"/>
     <p:sldId id="272" r:id="rId17"/>
     <p:sldId id="273" r:id="rId18"/>
   </p:sldIdLst>
@@ -131,6 +131,18 @@
 </p:presentation>
 </file>
 
+<file path=ppt/commentAuthors.xml><?xml version="1.0" encoding="utf-8"?>
+<p:cmAuthorLst xmlns:a="http://schemas.openxmlformats.org/drawingml/2006/main" xmlns:r="http://schemas.openxmlformats.org/officeDocument/2006/relationships" xmlns:p="http://schemas.openxmlformats.org/presentationml/2006/main">
+  <p:cmAuthor id="1" name="Russell Butler" initials="RB" lastIdx="1" clrIdx="0">
+    <p:extLst>
+      <p:ext uri="{19B8F6BF-5375-455C-9EA6-DF929625EA0E}">
+        <p15:presenceInfo xmlns:p15="http://schemas.microsoft.com/office/powerpoint/2012/main" userId="Russell Butler" providerId="None"/>
+      </p:ext>
+    </p:extLst>
+  </p:cmAuthor>
+</p:cmAuthorLst>
+</file>
+
 <file path=ppt/notesMasters/notesMaster1.xml><?xml version="1.0" encoding="utf-8"?>
 <p:notesMaster xmlns:a="http://schemas.openxmlformats.org/drawingml/2006/main" xmlns:r="http://schemas.openxmlformats.org/officeDocument/2006/relationships" xmlns:p="http://schemas.openxmlformats.org/presentationml/2006/main">
   <p:cSld>
@@ -213,7 +225,7 @@
           <a:p>
             <a:fld id="{A39D7F71-60E3-47D6-AD8C-528E18DF26F4}" type="datetimeFigureOut">
               <a:rPr lang="en-CA" smtClean="0"/>
-              <a:t>2019-09-22</a:t>
+              <a:t>2019-09-23</a:t>
             </a:fld>
             <a:endParaRPr lang="en-CA"/>
           </a:p>
@@ -612,7 +624,7 @@
           <a:p>
             <a:fld id="{15DCD113-A044-4026-8300-DD757017FCB5}" type="datetimeFigureOut">
               <a:rPr lang="en-CA" smtClean="0"/>
-              <a:t>2019-09-22</a:t>
+              <a:t>2019-09-23</a:t>
             </a:fld>
             <a:endParaRPr lang="en-CA"/>
           </a:p>
@@ -782,7 +794,7 @@
           <a:p>
             <a:fld id="{15DCD113-A044-4026-8300-DD757017FCB5}" type="datetimeFigureOut">
               <a:rPr lang="en-CA" smtClean="0"/>
-              <a:t>2019-09-22</a:t>
+              <a:t>2019-09-23</a:t>
             </a:fld>
             <a:endParaRPr lang="en-CA"/>
           </a:p>
@@ -962,7 +974,7 @@
           <a:p>
             <a:fld id="{15DCD113-A044-4026-8300-DD757017FCB5}" type="datetimeFigureOut">
               <a:rPr lang="en-CA" smtClean="0"/>
-              <a:t>2019-09-22</a:t>
+              <a:t>2019-09-23</a:t>
             </a:fld>
             <a:endParaRPr lang="en-CA"/>
           </a:p>
@@ -1132,7 +1144,7 @@
           <a:p>
             <a:fld id="{15DCD113-A044-4026-8300-DD757017FCB5}" type="datetimeFigureOut">
               <a:rPr lang="en-CA" smtClean="0"/>
-              <a:t>2019-09-22</a:t>
+              <a:t>2019-09-23</a:t>
             </a:fld>
             <a:endParaRPr lang="en-CA"/>
           </a:p>
@@ -1378,7 +1390,7 @@
           <a:p>
             <a:fld id="{15DCD113-A044-4026-8300-DD757017FCB5}" type="datetimeFigureOut">
               <a:rPr lang="en-CA" smtClean="0"/>
-              <a:t>2019-09-22</a:t>
+              <a:t>2019-09-23</a:t>
             </a:fld>
             <a:endParaRPr lang="en-CA"/>
           </a:p>
@@ -1610,7 +1622,7 @@
           <a:p>
             <a:fld id="{15DCD113-A044-4026-8300-DD757017FCB5}" type="datetimeFigureOut">
               <a:rPr lang="en-CA" smtClean="0"/>
-              <a:t>2019-09-22</a:t>
+              <a:t>2019-09-23</a:t>
             </a:fld>
             <a:endParaRPr lang="en-CA"/>
           </a:p>
@@ -1977,7 +1989,7 @@
           <a:p>
             <a:fld id="{15DCD113-A044-4026-8300-DD757017FCB5}" type="datetimeFigureOut">
               <a:rPr lang="en-CA" smtClean="0"/>
-              <a:t>2019-09-22</a:t>
+              <a:t>2019-09-23</a:t>
             </a:fld>
             <a:endParaRPr lang="en-CA"/>
           </a:p>
@@ -2095,7 +2107,7 @@
           <a:p>
             <a:fld id="{15DCD113-A044-4026-8300-DD757017FCB5}" type="datetimeFigureOut">
               <a:rPr lang="en-CA" smtClean="0"/>
-              <a:t>2019-09-22</a:t>
+              <a:t>2019-09-23</a:t>
             </a:fld>
             <a:endParaRPr lang="en-CA"/>
           </a:p>
@@ -2190,7 +2202,7 @@
           <a:p>
             <a:fld id="{15DCD113-A044-4026-8300-DD757017FCB5}" type="datetimeFigureOut">
               <a:rPr lang="en-CA" smtClean="0"/>
-              <a:t>2019-09-22</a:t>
+              <a:t>2019-09-23</a:t>
             </a:fld>
             <a:endParaRPr lang="en-CA"/>
           </a:p>
@@ -2467,7 +2479,7 @@
           <a:p>
             <a:fld id="{15DCD113-A044-4026-8300-DD757017FCB5}" type="datetimeFigureOut">
               <a:rPr lang="en-CA" smtClean="0"/>
-              <a:t>2019-09-22</a:t>
+              <a:t>2019-09-23</a:t>
             </a:fld>
             <a:endParaRPr lang="en-CA"/>
           </a:p>
@@ -2720,7 +2732,7 @@
           <a:p>
             <a:fld id="{15DCD113-A044-4026-8300-DD757017FCB5}" type="datetimeFigureOut">
               <a:rPr lang="en-CA" smtClean="0"/>
-              <a:t>2019-09-22</a:t>
+              <a:t>2019-09-23</a:t>
             </a:fld>
             <a:endParaRPr lang="en-CA"/>
           </a:p>
@@ -2933,7 +2945,7 @@
           <a:p>
             <a:fld id="{15DCD113-A044-4026-8300-DD757017FCB5}" type="datetimeFigureOut">
               <a:rPr lang="en-CA" smtClean="0"/>
-              <a:t>2019-09-22</a:t>
+              <a:t>2019-09-23</a:t>
             </a:fld>
             <a:endParaRPr lang="en-CA"/>
           </a:p>
@@ -3503,15 +3515,7 @@
           <a:p>
             <a:r>
               <a:rPr lang="en-CA" dirty="0" smtClean="0"/>
-              <a:t>Perceptron achieves 50</a:t>
-            </a:r>
-            <a:r>
-              <a:rPr lang="en-CA" dirty="0" smtClean="0"/>
-              <a:t>% </a:t>
-            </a:r>
-            <a:r>
-              <a:rPr lang="en-CA" dirty="0" smtClean="0"/>
-              <a:t>accuracy here</a:t>
+              <a:t>Perceptron achieves 50% accuracy here</a:t>
             </a:r>
             <a:endParaRPr lang="en-CA" dirty="0"/>
           </a:p>
@@ -3600,7 +3604,6 @@
               <a:rPr lang="en-CA" dirty="0" smtClean="0"/>
               <a:t> function</a:t>
             </a:r>
-            <a:endParaRPr lang="en-CA" dirty="0" smtClean="0"/>
           </a:p>
           <a:p>
             <a:r>
@@ -3733,6 +3736,500 @@
   <p:timing>
     <p:tnLst>
       <p:par>
+        <p:cTn id="1" dur="indefinite" restart="never" nodeType="tmRoot">
+          <p:childTnLst>
+            <p:seq concurrent="1" nextAc="seek">
+              <p:cTn id="2" dur="indefinite" nodeType="mainSeq">
+                <p:childTnLst>
+                  <p:par>
+                    <p:cTn id="3" fill="hold">
+                      <p:stCondLst>
+                        <p:cond delay="indefinite"/>
+                      </p:stCondLst>
+                      <p:childTnLst>
+                        <p:par>
+                          <p:cTn id="4" fill="hold">
+                            <p:stCondLst>
+                              <p:cond delay="0"/>
+                            </p:stCondLst>
+                            <p:childTnLst>
+                              <p:par>
+                                <p:cTn id="5" presetID="1" presetClass="entr" presetSubtype="0" fill="hold" grpId="0" nodeType="clickEffect">
+                                  <p:stCondLst>
+                                    <p:cond delay="0"/>
+                                  </p:stCondLst>
+                                  <p:childTnLst>
+                                    <p:set>
+                                      <p:cBhvr>
+                                        <p:cTn id="6" dur="1" fill="hold">
+                                          <p:stCondLst>
+                                            <p:cond delay="0"/>
+                                          </p:stCondLst>
+                                        </p:cTn>
+                                        <p:tgtEl>
+                                          <p:spTgt spid="7">
+                                            <p:txEl>
+                                              <p:pRg st="0" end="0"/>
+                                            </p:txEl>
+                                          </p:spTgt>
+                                        </p:tgtEl>
+                                        <p:attrNameLst>
+                                          <p:attrName>style.visibility</p:attrName>
+                                        </p:attrNameLst>
+                                      </p:cBhvr>
+                                      <p:to>
+                                        <p:strVal val="visible"/>
+                                      </p:to>
+                                    </p:set>
+                                  </p:childTnLst>
+                                </p:cTn>
+                              </p:par>
+                            </p:childTnLst>
+                          </p:cTn>
+                        </p:par>
+                      </p:childTnLst>
+                    </p:cTn>
+                  </p:par>
+                  <p:par>
+                    <p:cTn id="7" fill="hold">
+                      <p:stCondLst>
+                        <p:cond delay="indefinite"/>
+                      </p:stCondLst>
+                      <p:childTnLst>
+                        <p:par>
+                          <p:cTn id="8" fill="hold">
+                            <p:stCondLst>
+                              <p:cond delay="0"/>
+                            </p:stCondLst>
+                            <p:childTnLst>
+                              <p:par>
+                                <p:cTn id="9" presetID="1" presetClass="entr" presetSubtype="0" fill="hold" grpId="0" nodeType="clickEffect">
+                                  <p:stCondLst>
+                                    <p:cond delay="0"/>
+                                  </p:stCondLst>
+                                  <p:childTnLst>
+                                    <p:set>
+                                      <p:cBhvr>
+                                        <p:cTn id="10" dur="1" fill="hold">
+                                          <p:stCondLst>
+                                            <p:cond delay="0"/>
+                                          </p:stCondLst>
+                                        </p:cTn>
+                                        <p:tgtEl>
+                                          <p:spTgt spid="5"/>
+                                        </p:tgtEl>
+                                        <p:attrNameLst>
+                                          <p:attrName>style.visibility</p:attrName>
+                                        </p:attrNameLst>
+                                      </p:cBhvr>
+                                      <p:to>
+                                        <p:strVal val="visible"/>
+                                      </p:to>
+                                    </p:set>
+                                  </p:childTnLst>
+                                </p:cTn>
+                              </p:par>
+                              <p:par>
+                                <p:cTn id="11" presetID="1" presetClass="entr" presetSubtype="0" fill="hold" nodeType="withEffect">
+                                  <p:stCondLst>
+                                    <p:cond delay="0"/>
+                                  </p:stCondLst>
+                                  <p:childTnLst>
+                                    <p:set>
+                                      <p:cBhvr>
+                                        <p:cTn id="12" dur="1" fill="hold">
+                                          <p:stCondLst>
+                                            <p:cond delay="0"/>
+                                          </p:stCondLst>
+                                        </p:cTn>
+                                        <p:tgtEl>
+                                          <p:spTgt spid="4"/>
+                                        </p:tgtEl>
+                                        <p:attrNameLst>
+                                          <p:attrName>style.visibility</p:attrName>
+                                        </p:attrNameLst>
+                                      </p:cBhvr>
+                                      <p:to>
+                                        <p:strVal val="visible"/>
+                                      </p:to>
+                                    </p:set>
+                                  </p:childTnLst>
+                                </p:cTn>
+                              </p:par>
+                            </p:childTnLst>
+                          </p:cTn>
+                        </p:par>
+                      </p:childTnLst>
+                    </p:cTn>
+                  </p:par>
+                  <p:par>
+                    <p:cTn id="13" fill="hold">
+                      <p:stCondLst>
+                        <p:cond delay="indefinite"/>
+                      </p:stCondLst>
+                      <p:childTnLst>
+                        <p:par>
+                          <p:cTn id="14" fill="hold">
+                            <p:stCondLst>
+                              <p:cond delay="0"/>
+                            </p:stCondLst>
+                            <p:childTnLst>
+                              <p:par>
+                                <p:cTn id="15" presetID="1" presetClass="entr" presetSubtype="0" fill="hold" grpId="0" nodeType="clickEffect">
+                                  <p:stCondLst>
+                                    <p:cond delay="0"/>
+                                  </p:stCondLst>
+                                  <p:childTnLst>
+                                    <p:set>
+                                      <p:cBhvr>
+                                        <p:cTn id="16" dur="1" fill="hold">
+                                          <p:stCondLst>
+                                            <p:cond delay="0"/>
+                                          </p:stCondLst>
+                                        </p:cTn>
+                                        <p:tgtEl>
+                                          <p:spTgt spid="8"/>
+                                        </p:tgtEl>
+                                        <p:attrNameLst>
+                                          <p:attrName>style.visibility</p:attrName>
+                                        </p:attrNameLst>
+                                      </p:cBhvr>
+                                      <p:to>
+                                        <p:strVal val="visible"/>
+                                      </p:to>
+                                    </p:set>
+                                  </p:childTnLst>
+                                </p:cTn>
+                              </p:par>
+                              <p:par>
+                                <p:cTn id="17" presetID="1" presetClass="entr" presetSubtype="0" fill="hold" nodeType="withEffect">
+                                  <p:stCondLst>
+                                    <p:cond delay="0"/>
+                                  </p:stCondLst>
+                                  <p:childTnLst>
+                                    <p:set>
+                                      <p:cBhvr>
+                                        <p:cTn id="18" dur="1" fill="hold">
+                                          <p:stCondLst>
+                                            <p:cond delay="0"/>
+                                          </p:stCondLst>
+                                        </p:cTn>
+                                        <p:tgtEl>
+                                          <p:spTgt spid="1026"/>
+                                        </p:tgtEl>
+                                        <p:attrNameLst>
+                                          <p:attrName>style.visibility</p:attrName>
+                                        </p:attrNameLst>
+                                      </p:cBhvr>
+                                      <p:to>
+                                        <p:strVal val="visible"/>
+                                      </p:to>
+                                    </p:set>
+                                  </p:childTnLst>
+                                </p:cTn>
+                              </p:par>
+                            </p:childTnLst>
+                          </p:cTn>
+                        </p:par>
+                      </p:childTnLst>
+                    </p:cTn>
+                  </p:par>
+                  <p:par>
+                    <p:cTn id="19" fill="hold">
+                      <p:stCondLst>
+                        <p:cond delay="indefinite"/>
+                      </p:stCondLst>
+                      <p:childTnLst>
+                        <p:par>
+                          <p:cTn id="20" fill="hold">
+                            <p:stCondLst>
+                              <p:cond delay="0"/>
+                            </p:stCondLst>
+                            <p:childTnLst>
+                              <p:par>
+                                <p:cTn id="21" presetID="1" presetClass="entr" presetSubtype="0" fill="hold" grpId="0" nodeType="clickEffect">
+                                  <p:stCondLst>
+                                    <p:cond delay="0"/>
+                                  </p:stCondLst>
+                                  <p:childTnLst>
+                                    <p:set>
+                                      <p:cBhvr>
+                                        <p:cTn id="22" dur="1" fill="hold">
+                                          <p:stCondLst>
+                                            <p:cond delay="0"/>
+                                          </p:stCondLst>
+                                        </p:cTn>
+                                        <p:tgtEl>
+                                          <p:spTgt spid="7">
+                                            <p:txEl>
+                                              <p:pRg st="1" end="1"/>
+                                            </p:txEl>
+                                          </p:spTgt>
+                                        </p:tgtEl>
+                                        <p:attrNameLst>
+                                          <p:attrName>style.visibility</p:attrName>
+                                        </p:attrNameLst>
+                                      </p:cBhvr>
+                                      <p:to>
+                                        <p:strVal val="visible"/>
+                                      </p:to>
+                                    </p:set>
+                                  </p:childTnLst>
+                                </p:cTn>
+                              </p:par>
+                            </p:childTnLst>
+                          </p:cTn>
+                        </p:par>
+                      </p:childTnLst>
+                    </p:cTn>
+                  </p:par>
+                  <p:par>
+                    <p:cTn id="23" fill="hold">
+                      <p:stCondLst>
+                        <p:cond delay="indefinite"/>
+                      </p:stCondLst>
+                      <p:childTnLst>
+                        <p:par>
+                          <p:cTn id="24" fill="hold">
+                            <p:stCondLst>
+                              <p:cond delay="0"/>
+                            </p:stCondLst>
+                            <p:childTnLst>
+                              <p:par>
+                                <p:cTn id="25" presetID="1" presetClass="entr" presetSubtype="0" fill="hold" grpId="0" nodeType="clickEffect">
+                                  <p:stCondLst>
+                                    <p:cond delay="0"/>
+                                  </p:stCondLst>
+                                  <p:childTnLst>
+                                    <p:set>
+                                      <p:cBhvr>
+                                        <p:cTn id="26" dur="1" fill="hold">
+                                          <p:stCondLst>
+                                            <p:cond delay="0"/>
+                                          </p:stCondLst>
+                                        </p:cTn>
+                                        <p:tgtEl>
+                                          <p:spTgt spid="7">
+                                            <p:txEl>
+                                              <p:pRg st="2" end="2"/>
+                                            </p:txEl>
+                                          </p:spTgt>
+                                        </p:tgtEl>
+                                        <p:attrNameLst>
+                                          <p:attrName>style.visibility</p:attrName>
+                                        </p:attrNameLst>
+                                      </p:cBhvr>
+                                      <p:to>
+                                        <p:strVal val="visible"/>
+                                      </p:to>
+                                    </p:set>
+                                  </p:childTnLst>
+                                </p:cTn>
+                              </p:par>
+                            </p:childTnLst>
+                          </p:cTn>
+                        </p:par>
+                      </p:childTnLst>
+                    </p:cTn>
+                  </p:par>
+                  <p:par>
+                    <p:cTn id="27" fill="hold">
+                      <p:stCondLst>
+                        <p:cond delay="indefinite"/>
+                      </p:stCondLst>
+                      <p:childTnLst>
+                        <p:par>
+                          <p:cTn id="28" fill="hold">
+                            <p:stCondLst>
+                              <p:cond delay="0"/>
+                            </p:stCondLst>
+                            <p:childTnLst>
+                              <p:par>
+                                <p:cTn id="29" presetID="1" presetClass="entr" presetSubtype="0" fill="hold" nodeType="clickEffect">
+                                  <p:stCondLst>
+                                    <p:cond delay="0"/>
+                                  </p:stCondLst>
+                                  <p:childTnLst>
+                                    <p:set>
+                                      <p:cBhvr>
+                                        <p:cTn id="30" dur="1" fill="hold">
+                                          <p:stCondLst>
+                                            <p:cond delay="0"/>
+                                          </p:stCondLst>
+                                        </p:cTn>
+                                        <p:tgtEl>
+                                          <p:spTgt spid="1028"/>
+                                        </p:tgtEl>
+                                        <p:attrNameLst>
+                                          <p:attrName>style.visibility</p:attrName>
+                                        </p:attrNameLst>
+                                      </p:cBhvr>
+                                      <p:to>
+                                        <p:strVal val="visible"/>
+                                      </p:to>
+                                    </p:set>
+                                  </p:childTnLst>
+                                </p:cTn>
+                              </p:par>
+                              <p:par>
+                                <p:cTn id="31" presetID="1" presetClass="entr" presetSubtype="0" fill="hold" nodeType="withEffect">
+                                  <p:stCondLst>
+                                    <p:cond delay="0"/>
+                                  </p:stCondLst>
+                                  <p:childTnLst>
+                                    <p:set>
+                                      <p:cBhvr>
+                                        <p:cTn id="32" dur="1" fill="hold">
+                                          <p:stCondLst>
+                                            <p:cond delay="0"/>
+                                          </p:stCondLst>
+                                        </p:cTn>
+                                        <p:tgtEl>
+                                          <p:spTgt spid="6"/>
+                                        </p:tgtEl>
+                                        <p:attrNameLst>
+                                          <p:attrName>style.visibility</p:attrName>
+                                        </p:attrNameLst>
+                                      </p:cBhvr>
+                                      <p:to>
+                                        <p:strVal val="visible"/>
+                                      </p:to>
+                                    </p:set>
+                                  </p:childTnLst>
+                                </p:cTn>
+                              </p:par>
+                            </p:childTnLst>
+                          </p:cTn>
+                        </p:par>
+                      </p:childTnLst>
+                    </p:cTn>
+                  </p:par>
+                </p:childTnLst>
+              </p:cTn>
+              <p:prevCondLst>
+                <p:cond evt="onPrev" delay="0">
+                  <p:tgtEl>
+                    <p:sldTgt/>
+                  </p:tgtEl>
+                </p:cond>
+              </p:prevCondLst>
+              <p:nextCondLst>
+                <p:cond evt="onNext" delay="0">
+                  <p:tgtEl>
+                    <p:sldTgt/>
+                  </p:tgtEl>
+                </p:cond>
+              </p:nextCondLst>
+            </p:seq>
+          </p:childTnLst>
+        </p:cTn>
+      </p:par>
+    </p:tnLst>
+    <p:bldLst>
+      <p:bldP spid="5" grpId="0"/>
+      <p:bldP spid="7" grpId="0" uiExpand="1" build="p"/>
+      <p:bldP spid="8" grpId="0"/>
+    </p:bldLst>
+  </p:timing>
+</p:sld>
+</file>
+
+<file path=ppt/slides/slide11.xml><?xml version="1.0" encoding="utf-8"?>
+<p:sld xmlns:a="http://schemas.openxmlformats.org/drawingml/2006/main" xmlns:r="http://schemas.openxmlformats.org/officeDocument/2006/relationships" xmlns:p="http://schemas.openxmlformats.org/presentationml/2006/main">
+  <p:cSld>
+    <p:spTree>
+      <p:nvGrpSpPr>
+        <p:cNvPr id="1" name=""/>
+        <p:cNvGrpSpPr/>
+        <p:nvPr/>
+      </p:nvGrpSpPr>
+      <p:grpSpPr>
+        <a:xfrm>
+          <a:off x="0" y="0"/>
+          <a:ext cx="0" cy="0"/>
+          <a:chOff x="0" y="0"/>
+          <a:chExt cx="0" cy="0"/>
+        </a:xfrm>
+      </p:grpSpPr>
+      <p:sp>
+        <p:nvSpPr>
+          <p:cNvPr id="2" name="Title 1"/>
+          <p:cNvSpPr>
+            <a:spLocks noGrp="1"/>
+          </p:cNvSpPr>
+          <p:nvPr>
+            <p:ph type="title"/>
+          </p:nvPr>
+        </p:nvSpPr>
+        <p:spPr/>
+        <p:txBody>
+          <a:bodyPr/>
+          <a:lstStyle/>
+          <a:p>
+            <a:r>
+              <a:rPr lang="en-CA" dirty="0" err="1" smtClean="0"/>
+              <a:t>Perceptrons</a:t>
+            </a:r>
+            <a:r>
+              <a:rPr lang="en-CA" dirty="0" smtClean="0"/>
+              <a:t> and neural networks</a:t>
+            </a:r>
+            <a:endParaRPr lang="en-CA" dirty="0"/>
+          </a:p>
+        </p:txBody>
+      </p:sp>
+      <p:sp>
+        <p:nvSpPr>
+          <p:cNvPr id="3" name="Content Placeholder 2"/>
+          <p:cNvSpPr>
+            <a:spLocks noGrp="1"/>
+          </p:cNvSpPr>
+          <p:nvPr>
+            <p:ph idx="1"/>
+          </p:nvPr>
+        </p:nvSpPr>
+        <p:spPr/>
+        <p:txBody>
+          <a:bodyPr/>
+          <a:lstStyle/>
+          <a:p>
+            <a:r>
+              <a:rPr lang="en-CA" dirty="0" smtClean="0"/>
+              <a:t>Perceptron learning rule</a:t>
+            </a:r>
+          </a:p>
+          <a:p>
+            <a:r>
+              <a:rPr lang="en-CA" dirty="0"/>
+              <a:t>Multi-layer </a:t>
+            </a:r>
+            <a:r>
+              <a:rPr lang="en-CA" dirty="0" err="1" smtClean="0"/>
+              <a:t>perceptrons</a:t>
+            </a:r>
+            <a:endParaRPr lang="en-CA" dirty="0" smtClean="0"/>
+          </a:p>
+          <a:p>
+            <a:r>
+              <a:rPr lang="en-CA" dirty="0" smtClean="0"/>
+              <a:t>Backpropagation</a:t>
+            </a:r>
+          </a:p>
+        </p:txBody>
+      </p:sp>
+    </p:spTree>
+    <p:extLst>
+      <p:ext uri="{BB962C8B-B14F-4D97-AF65-F5344CB8AC3E}">
+        <p14:creationId xmlns:p14="http://schemas.microsoft.com/office/powerpoint/2010/main" val="1796213441"/>
+      </p:ext>
+    </p:extLst>
+  </p:cSld>
+  <p:clrMapOvr>
+    <a:masterClrMapping/>
+  </p:clrMapOvr>
+  <p:timing>
+    <p:tnLst>
+      <p:par>
         <p:cTn id="1" dur="indefinite" restart="never" nodeType="tmRoot"/>
       </p:par>
     </p:tnLst>
@@ -3740,7 +4237,7 @@
 </p:sld>
 </file>
 
-<file path=ppt/slides/slide11.xml><?xml version="1.0" encoding="utf-8"?>
+<file path=ppt/slides/slide12.xml><?xml version="1.0" encoding="utf-8"?>
 <p:sld xmlns:a="http://schemas.openxmlformats.org/drawingml/2006/main" xmlns:r="http://schemas.openxmlformats.org/officeDocument/2006/relationships" xmlns:p="http://schemas.openxmlformats.org/presentationml/2006/main">
   <p:cSld>
     <p:spTree>
@@ -3785,8 +4282,8 @@
           </a:p>
         </p:txBody>
       </p:sp>
-      <mc:AlternateContent xmlns:mc="http://schemas.openxmlformats.org/markup-compatibility/2006">
-        <mc:Choice xmlns:a14="http://schemas.microsoft.com/office/drawing/2010/main" Requires="a14">
+      <mc:AlternateContent xmlns:mc="http://schemas.openxmlformats.org/markup-compatibility/2006" xmlns:a14="http://schemas.microsoft.com/office/drawing/2010/main">
+        <mc:Choice Requires="a14">
           <p:sp>
             <p:nvSpPr>
               <p:cNvPr id="3" name="Content Placeholder 2"/>
@@ -4146,7 +4643,7 @@
             </p:txBody>
           </p:sp>
         </mc:Choice>
-        <mc:Fallback>
+        <mc:Fallback xmlns="">
           <p:sp>
             <p:nvSpPr>
               <p:cNvPr id="3" name="Content Placeholder 2"/>
@@ -4200,7 +4697,7 @@
         </p:blipFill>
         <p:spPr>
           <a:xfrm>
-            <a:off x="374071" y="3947011"/>
+            <a:off x="374071" y="3891591"/>
             <a:ext cx="10982735" cy="2910989"/>
           </a:xfrm>
           <a:prstGeom prst="rect">
@@ -4221,14 +4718,410 @@
   <p:timing>
     <p:tnLst>
       <p:par>
-        <p:cTn id="1" dur="indefinite" restart="never" nodeType="tmRoot"/>
+        <p:cTn id="1" dur="indefinite" restart="never" nodeType="tmRoot">
+          <p:childTnLst>
+            <p:seq concurrent="1" nextAc="seek">
+              <p:cTn id="2" dur="indefinite" nodeType="mainSeq">
+                <p:childTnLst>
+                  <p:par>
+                    <p:cTn id="3" fill="hold">
+                      <p:stCondLst>
+                        <p:cond delay="indefinite"/>
+                      </p:stCondLst>
+                      <p:childTnLst>
+                        <p:par>
+                          <p:cTn id="4" fill="hold">
+                            <p:stCondLst>
+                              <p:cond delay="0"/>
+                            </p:stCondLst>
+                            <p:childTnLst>
+                              <p:par>
+                                <p:cTn id="5" presetID="1" presetClass="entr" presetSubtype="0" fill="hold" grpId="0" nodeType="clickEffect">
+                                  <p:stCondLst>
+                                    <p:cond delay="0"/>
+                                  </p:stCondLst>
+                                  <p:childTnLst>
+                                    <p:set>
+                                      <p:cBhvr>
+                                        <p:cTn id="6" dur="1" fill="hold">
+                                          <p:stCondLst>
+                                            <p:cond delay="0"/>
+                                          </p:stCondLst>
+                                        </p:cTn>
+                                        <p:tgtEl>
+                                          <p:spTgt spid="3">
+                                            <p:txEl>
+                                              <p:pRg st="0" end="0"/>
+                                            </p:txEl>
+                                          </p:spTgt>
+                                        </p:tgtEl>
+                                        <p:attrNameLst>
+                                          <p:attrName>style.visibility</p:attrName>
+                                        </p:attrNameLst>
+                                      </p:cBhvr>
+                                      <p:to>
+                                        <p:strVal val="visible"/>
+                                      </p:to>
+                                    </p:set>
+                                  </p:childTnLst>
+                                </p:cTn>
+                              </p:par>
+                            </p:childTnLst>
+                          </p:cTn>
+                        </p:par>
+                      </p:childTnLst>
+                    </p:cTn>
+                  </p:par>
+                  <p:par>
+                    <p:cTn id="7" fill="hold">
+                      <p:stCondLst>
+                        <p:cond delay="indefinite"/>
+                      </p:stCondLst>
+                      <p:childTnLst>
+                        <p:par>
+                          <p:cTn id="8" fill="hold">
+                            <p:stCondLst>
+                              <p:cond delay="0"/>
+                            </p:stCondLst>
+                            <p:childTnLst>
+                              <p:par>
+                                <p:cTn id="9" presetID="1" presetClass="entr" presetSubtype="0" fill="hold" grpId="0" nodeType="clickEffect">
+                                  <p:stCondLst>
+                                    <p:cond delay="0"/>
+                                  </p:stCondLst>
+                                  <p:childTnLst>
+                                    <p:set>
+                                      <p:cBhvr>
+                                        <p:cTn id="10" dur="1" fill="hold">
+                                          <p:stCondLst>
+                                            <p:cond delay="0"/>
+                                          </p:stCondLst>
+                                        </p:cTn>
+                                        <p:tgtEl>
+                                          <p:spTgt spid="3">
+                                            <p:txEl>
+                                              <p:pRg st="1" end="1"/>
+                                            </p:txEl>
+                                          </p:spTgt>
+                                        </p:tgtEl>
+                                        <p:attrNameLst>
+                                          <p:attrName>style.visibility</p:attrName>
+                                        </p:attrNameLst>
+                                      </p:cBhvr>
+                                      <p:to>
+                                        <p:strVal val="visible"/>
+                                      </p:to>
+                                    </p:set>
+                                  </p:childTnLst>
+                                </p:cTn>
+                              </p:par>
+                            </p:childTnLst>
+                          </p:cTn>
+                        </p:par>
+                      </p:childTnLst>
+                    </p:cTn>
+                  </p:par>
+                  <p:par>
+                    <p:cTn id="11" fill="hold">
+                      <p:stCondLst>
+                        <p:cond delay="indefinite"/>
+                      </p:stCondLst>
+                      <p:childTnLst>
+                        <p:par>
+                          <p:cTn id="12" fill="hold">
+                            <p:stCondLst>
+                              <p:cond delay="0"/>
+                            </p:stCondLst>
+                            <p:childTnLst>
+                              <p:par>
+                                <p:cTn id="13" presetID="1" presetClass="entr" presetSubtype="0" fill="hold" grpId="0" nodeType="clickEffect">
+                                  <p:stCondLst>
+                                    <p:cond delay="0"/>
+                                  </p:stCondLst>
+                                  <p:childTnLst>
+                                    <p:set>
+                                      <p:cBhvr>
+                                        <p:cTn id="14" dur="1" fill="hold">
+                                          <p:stCondLst>
+                                            <p:cond delay="0"/>
+                                          </p:stCondLst>
+                                        </p:cTn>
+                                        <p:tgtEl>
+                                          <p:spTgt spid="3">
+                                            <p:txEl>
+                                              <p:pRg st="2" end="2"/>
+                                            </p:txEl>
+                                          </p:spTgt>
+                                        </p:tgtEl>
+                                        <p:attrNameLst>
+                                          <p:attrName>style.visibility</p:attrName>
+                                        </p:attrNameLst>
+                                      </p:cBhvr>
+                                      <p:to>
+                                        <p:strVal val="visible"/>
+                                      </p:to>
+                                    </p:set>
+                                  </p:childTnLst>
+                                </p:cTn>
+                              </p:par>
+                            </p:childTnLst>
+                          </p:cTn>
+                        </p:par>
+                      </p:childTnLst>
+                    </p:cTn>
+                  </p:par>
+                  <p:par>
+                    <p:cTn id="15" fill="hold">
+                      <p:stCondLst>
+                        <p:cond delay="indefinite"/>
+                      </p:stCondLst>
+                      <p:childTnLst>
+                        <p:par>
+                          <p:cTn id="16" fill="hold">
+                            <p:stCondLst>
+                              <p:cond delay="0"/>
+                            </p:stCondLst>
+                            <p:childTnLst>
+                              <p:par>
+                                <p:cTn id="17" presetID="1" presetClass="entr" presetSubtype="0" fill="hold" grpId="0" nodeType="clickEffect">
+                                  <p:stCondLst>
+                                    <p:cond delay="0"/>
+                                  </p:stCondLst>
+                                  <p:childTnLst>
+                                    <p:set>
+                                      <p:cBhvr>
+                                        <p:cTn id="18" dur="1" fill="hold">
+                                          <p:stCondLst>
+                                            <p:cond delay="0"/>
+                                          </p:stCondLst>
+                                        </p:cTn>
+                                        <p:tgtEl>
+                                          <p:spTgt spid="3">
+                                            <p:txEl>
+                                              <p:pRg st="3" end="3"/>
+                                            </p:txEl>
+                                          </p:spTgt>
+                                        </p:tgtEl>
+                                        <p:attrNameLst>
+                                          <p:attrName>style.visibility</p:attrName>
+                                        </p:attrNameLst>
+                                      </p:cBhvr>
+                                      <p:to>
+                                        <p:strVal val="visible"/>
+                                      </p:to>
+                                    </p:set>
+                                  </p:childTnLst>
+                                </p:cTn>
+                              </p:par>
+                            </p:childTnLst>
+                          </p:cTn>
+                        </p:par>
+                      </p:childTnLst>
+                    </p:cTn>
+                  </p:par>
+                  <p:par>
+                    <p:cTn id="19" fill="hold">
+                      <p:stCondLst>
+                        <p:cond delay="indefinite"/>
+                      </p:stCondLst>
+                      <p:childTnLst>
+                        <p:par>
+                          <p:cTn id="20" fill="hold">
+                            <p:stCondLst>
+                              <p:cond delay="0"/>
+                            </p:stCondLst>
+                            <p:childTnLst>
+                              <p:par>
+                                <p:cTn id="21" presetID="1" presetClass="entr" presetSubtype="0" fill="hold" grpId="0" nodeType="clickEffect">
+                                  <p:stCondLst>
+                                    <p:cond delay="0"/>
+                                  </p:stCondLst>
+                                  <p:childTnLst>
+                                    <p:set>
+                                      <p:cBhvr>
+                                        <p:cTn id="22" dur="1" fill="hold">
+                                          <p:stCondLst>
+                                            <p:cond delay="0"/>
+                                          </p:stCondLst>
+                                        </p:cTn>
+                                        <p:tgtEl>
+                                          <p:spTgt spid="3">
+                                            <p:txEl>
+                                              <p:pRg st="4" end="4"/>
+                                            </p:txEl>
+                                          </p:spTgt>
+                                        </p:tgtEl>
+                                        <p:attrNameLst>
+                                          <p:attrName>style.visibility</p:attrName>
+                                        </p:attrNameLst>
+                                      </p:cBhvr>
+                                      <p:to>
+                                        <p:strVal val="visible"/>
+                                      </p:to>
+                                    </p:set>
+                                  </p:childTnLst>
+                                </p:cTn>
+                              </p:par>
+                            </p:childTnLst>
+                          </p:cTn>
+                        </p:par>
+                      </p:childTnLst>
+                    </p:cTn>
+                  </p:par>
+                  <p:par>
+                    <p:cTn id="23" fill="hold">
+                      <p:stCondLst>
+                        <p:cond delay="indefinite"/>
+                      </p:stCondLst>
+                      <p:childTnLst>
+                        <p:par>
+                          <p:cTn id="24" fill="hold">
+                            <p:stCondLst>
+                              <p:cond delay="0"/>
+                            </p:stCondLst>
+                            <p:childTnLst>
+                              <p:par>
+                                <p:cTn id="25" presetID="1" presetClass="entr" presetSubtype="0" fill="hold" grpId="0" nodeType="clickEffect">
+                                  <p:stCondLst>
+                                    <p:cond delay="0"/>
+                                  </p:stCondLst>
+                                  <p:childTnLst>
+                                    <p:set>
+                                      <p:cBhvr>
+                                        <p:cTn id="26" dur="1" fill="hold">
+                                          <p:stCondLst>
+                                            <p:cond delay="0"/>
+                                          </p:stCondLst>
+                                        </p:cTn>
+                                        <p:tgtEl>
+                                          <p:spTgt spid="3">
+                                            <p:txEl>
+                                              <p:pRg st="5" end="5"/>
+                                            </p:txEl>
+                                          </p:spTgt>
+                                        </p:tgtEl>
+                                        <p:attrNameLst>
+                                          <p:attrName>style.visibility</p:attrName>
+                                        </p:attrNameLst>
+                                      </p:cBhvr>
+                                      <p:to>
+                                        <p:strVal val="visible"/>
+                                      </p:to>
+                                    </p:set>
+                                  </p:childTnLst>
+                                </p:cTn>
+                              </p:par>
+                            </p:childTnLst>
+                          </p:cTn>
+                        </p:par>
+                      </p:childTnLst>
+                    </p:cTn>
+                  </p:par>
+                  <p:par>
+                    <p:cTn id="27" fill="hold">
+                      <p:stCondLst>
+                        <p:cond delay="indefinite"/>
+                      </p:stCondLst>
+                      <p:childTnLst>
+                        <p:par>
+                          <p:cTn id="28" fill="hold">
+                            <p:stCondLst>
+                              <p:cond delay="0"/>
+                            </p:stCondLst>
+                            <p:childTnLst>
+                              <p:par>
+                                <p:cTn id="29" presetID="1" presetClass="entr" presetSubtype="0" fill="hold" grpId="0" nodeType="clickEffect">
+                                  <p:stCondLst>
+                                    <p:cond delay="0"/>
+                                  </p:stCondLst>
+                                  <p:childTnLst>
+                                    <p:set>
+                                      <p:cBhvr>
+                                        <p:cTn id="30" dur="1" fill="hold">
+                                          <p:stCondLst>
+                                            <p:cond delay="0"/>
+                                          </p:stCondLst>
+                                        </p:cTn>
+                                        <p:tgtEl>
+                                          <p:spTgt spid="3">
+                                            <p:txEl>
+                                              <p:pRg st="6" end="6"/>
+                                            </p:txEl>
+                                          </p:spTgt>
+                                        </p:tgtEl>
+                                        <p:attrNameLst>
+                                          <p:attrName>style.visibility</p:attrName>
+                                        </p:attrNameLst>
+                                      </p:cBhvr>
+                                      <p:to>
+                                        <p:strVal val="visible"/>
+                                      </p:to>
+                                    </p:set>
+                                  </p:childTnLst>
+                                </p:cTn>
+                              </p:par>
+                              <p:par>
+                                <p:cTn id="31" presetID="1" presetClass="entr" presetSubtype="0" fill="hold" nodeType="withEffect">
+                                  <p:stCondLst>
+                                    <p:cond delay="0"/>
+                                  </p:stCondLst>
+                                  <p:childTnLst>
+                                    <p:set>
+                                      <p:cBhvr>
+                                        <p:cTn id="32" dur="1" fill="hold">
+                                          <p:stCondLst>
+                                            <p:cond delay="0"/>
+                                          </p:stCondLst>
+                                        </p:cTn>
+                                        <p:tgtEl>
+                                          <p:spTgt spid="4"/>
+                                        </p:tgtEl>
+                                        <p:attrNameLst>
+                                          <p:attrName>style.visibility</p:attrName>
+                                        </p:attrNameLst>
+                                      </p:cBhvr>
+                                      <p:to>
+                                        <p:strVal val="visible"/>
+                                      </p:to>
+                                    </p:set>
+                                  </p:childTnLst>
+                                </p:cTn>
+                              </p:par>
+                            </p:childTnLst>
+                          </p:cTn>
+                        </p:par>
+                      </p:childTnLst>
+                    </p:cTn>
+                  </p:par>
+                </p:childTnLst>
+              </p:cTn>
+              <p:prevCondLst>
+                <p:cond evt="onPrev" delay="0">
+                  <p:tgtEl>
+                    <p:sldTgt/>
+                  </p:tgtEl>
+                </p:cond>
+              </p:prevCondLst>
+              <p:nextCondLst>
+                <p:cond evt="onNext" delay="0">
+                  <p:tgtEl>
+                    <p:sldTgt/>
+                  </p:tgtEl>
+                </p:cond>
+              </p:nextCondLst>
+            </p:seq>
+          </p:childTnLst>
+        </p:cTn>
       </p:par>
     </p:tnLst>
+    <p:bldLst>
+      <p:bldP spid="3" grpId="0" build="p"/>
+    </p:bldLst>
   </p:timing>
 </p:sld>
 </file>
 
-<file path=ppt/slides/slide12.xml><?xml version="1.0" encoding="utf-8"?>
+<file path=ppt/slides/slide13.xml><?xml version="1.0" encoding="utf-8"?>
 <p:sld xmlns:a="http://schemas.openxmlformats.org/drawingml/2006/main" xmlns:r="http://schemas.openxmlformats.org/officeDocument/2006/relationships" xmlns:p="http://schemas.openxmlformats.org/presentationml/2006/main">
   <p:cSld>
     <p:spTree>
@@ -4273,8 +5166,8 @@
           </a:p>
         </p:txBody>
       </p:sp>
-      <mc:AlternateContent xmlns:mc="http://schemas.openxmlformats.org/markup-compatibility/2006">
-        <mc:Choice xmlns:a14="http://schemas.microsoft.com/office/drawing/2010/main" Requires="a14">
+      <mc:AlternateContent xmlns:mc="http://schemas.openxmlformats.org/markup-compatibility/2006" xmlns:a14="http://schemas.microsoft.com/office/drawing/2010/main">
+        <mc:Choice Requires="a14">
           <p:sp>
             <p:nvSpPr>
               <p:cNvPr id="3" name="Content Placeholder 2"/>
@@ -4704,7 +5597,7 @@
             </p:txBody>
           </p:sp>
         </mc:Choice>
-        <mc:Fallback>
+        <mc:Fallback xmlns="">
           <p:sp>
             <p:nvSpPr>
               <p:cNvPr id="3" name="Content Placeholder 2"/>
@@ -4758,7 +5651,7 @@
         </p:blipFill>
         <p:spPr>
           <a:xfrm>
-            <a:off x="1077920" y="3455367"/>
+            <a:off x="1077920" y="3298199"/>
             <a:ext cx="9839462" cy="3402633"/>
           </a:xfrm>
           <a:prstGeom prst="rect">
@@ -4779,14 +5672,263 @@
   <p:timing>
     <p:tnLst>
       <p:par>
-        <p:cTn id="1" dur="indefinite" restart="never" nodeType="tmRoot"/>
+        <p:cTn id="1" dur="indefinite" restart="never" nodeType="tmRoot">
+          <p:childTnLst>
+            <p:seq concurrent="1" nextAc="seek">
+              <p:cTn id="2" dur="indefinite" nodeType="mainSeq">
+                <p:childTnLst>
+                  <p:par>
+                    <p:cTn id="3" fill="hold">
+                      <p:stCondLst>
+                        <p:cond delay="indefinite"/>
+                      </p:stCondLst>
+                      <p:childTnLst>
+                        <p:par>
+                          <p:cTn id="4" fill="hold">
+                            <p:stCondLst>
+                              <p:cond delay="0"/>
+                            </p:stCondLst>
+                            <p:childTnLst>
+                              <p:par>
+                                <p:cTn id="5" presetID="1" presetClass="entr" presetSubtype="0" fill="hold" grpId="0" nodeType="clickEffect">
+                                  <p:stCondLst>
+                                    <p:cond delay="0"/>
+                                  </p:stCondLst>
+                                  <p:childTnLst>
+                                    <p:set>
+                                      <p:cBhvr>
+                                        <p:cTn id="6" dur="1" fill="hold">
+                                          <p:stCondLst>
+                                            <p:cond delay="0"/>
+                                          </p:stCondLst>
+                                        </p:cTn>
+                                        <p:tgtEl>
+                                          <p:spTgt spid="3">
+                                            <p:txEl>
+                                              <p:pRg st="0" end="0"/>
+                                            </p:txEl>
+                                          </p:spTgt>
+                                        </p:tgtEl>
+                                        <p:attrNameLst>
+                                          <p:attrName>style.visibility</p:attrName>
+                                        </p:attrNameLst>
+                                      </p:cBhvr>
+                                      <p:to>
+                                        <p:strVal val="visible"/>
+                                      </p:to>
+                                    </p:set>
+                                  </p:childTnLst>
+                                </p:cTn>
+                              </p:par>
+                            </p:childTnLst>
+                          </p:cTn>
+                        </p:par>
+                      </p:childTnLst>
+                    </p:cTn>
+                  </p:par>
+                  <p:par>
+                    <p:cTn id="7" fill="hold">
+                      <p:stCondLst>
+                        <p:cond delay="indefinite"/>
+                      </p:stCondLst>
+                      <p:childTnLst>
+                        <p:par>
+                          <p:cTn id="8" fill="hold">
+                            <p:stCondLst>
+                              <p:cond delay="0"/>
+                            </p:stCondLst>
+                            <p:childTnLst>
+                              <p:par>
+                                <p:cTn id="9" presetID="1" presetClass="entr" presetSubtype="0" fill="hold" grpId="0" nodeType="clickEffect">
+                                  <p:stCondLst>
+                                    <p:cond delay="0"/>
+                                  </p:stCondLst>
+                                  <p:childTnLst>
+                                    <p:set>
+                                      <p:cBhvr>
+                                        <p:cTn id="10" dur="1" fill="hold">
+                                          <p:stCondLst>
+                                            <p:cond delay="0"/>
+                                          </p:stCondLst>
+                                        </p:cTn>
+                                        <p:tgtEl>
+                                          <p:spTgt spid="3">
+                                            <p:txEl>
+                                              <p:pRg st="1" end="1"/>
+                                            </p:txEl>
+                                          </p:spTgt>
+                                        </p:tgtEl>
+                                        <p:attrNameLst>
+                                          <p:attrName>style.visibility</p:attrName>
+                                        </p:attrNameLst>
+                                      </p:cBhvr>
+                                      <p:to>
+                                        <p:strVal val="visible"/>
+                                      </p:to>
+                                    </p:set>
+                                  </p:childTnLst>
+                                </p:cTn>
+                              </p:par>
+                            </p:childTnLst>
+                          </p:cTn>
+                        </p:par>
+                      </p:childTnLst>
+                    </p:cTn>
+                  </p:par>
+                  <p:par>
+                    <p:cTn id="11" fill="hold">
+                      <p:stCondLst>
+                        <p:cond delay="indefinite"/>
+                      </p:stCondLst>
+                      <p:childTnLst>
+                        <p:par>
+                          <p:cTn id="12" fill="hold">
+                            <p:stCondLst>
+                              <p:cond delay="0"/>
+                            </p:stCondLst>
+                            <p:childTnLst>
+                              <p:par>
+                                <p:cTn id="13" presetID="1" presetClass="entr" presetSubtype="0" fill="hold" grpId="0" nodeType="clickEffect">
+                                  <p:stCondLst>
+                                    <p:cond delay="0"/>
+                                  </p:stCondLst>
+                                  <p:childTnLst>
+                                    <p:set>
+                                      <p:cBhvr>
+                                        <p:cTn id="14" dur="1" fill="hold">
+                                          <p:stCondLst>
+                                            <p:cond delay="0"/>
+                                          </p:stCondLst>
+                                        </p:cTn>
+                                        <p:tgtEl>
+                                          <p:spTgt spid="3">
+                                            <p:txEl>
+                                              <p:pRg st="2" end="2"/>
+                                            </p:txEl>
+                                          </p:spTgt>
+                                        </p:tgtEl>
+                                        <p:attrNameLst>
+                                          <p:attrName>style.visibility</p:attrName>
+                                        </p:attrNameLst>
+                                      </p:cBhvr>
+                                      <p:to>
+                                        <p:strVal val="visible"/>
+                                      </p:to>
+                                    </p:set>
+                                  </p:childTnLst>
+                                </p:cTn>
+                              </p:par>
+                            </p:childTnLst>
+                          </p:cTn>
+                        </p:par>
+                      </p:childTnLst>
+                    </p:cTn>
+                  </p:par>
+                  <p:par>
+                    <p:cTn id="15" fill="hold">
+                      <p:stCondLst>
+                        <p:cond delay="indefinite"/>
+                      </p:stCondLst>
+                      <p:childTnLst>
+                        <p:par>
+                          <p:cTn id="16" fill="hold">
+                            <p:stCondLst>
+                              <p:cond delay="0"/>
+                            </p:stCondLst>
+                            <p:childTnLst>
+                              <p:par>
+                                <p:cTn id="17" presetID="1" presetClass="entr" presetSubtype="0" fill="hold" grpId="0" nodeType="clickEffect">
+                                  <p:stCondLst>
+                                    <p:cond delay="0"/>
+                                  </p:stCondLst>
+                                  <p:childTnLst>
+                                    <p:set>
+                                      <p:cBhvr>
+                                        <p:cTn id="18" dur="1" fill="hold">
+                                          <p:stCondLst>
+                                            <p:cond delay="0"/>
+                                          </p:stCondLst>
+                                        </p:cTn>
+                                        <p:tgtEl>
+                                          <p:spTgt spid="3">
+                                            <p:txEl>
+                                              <p:pRg st="3" end="3"/>
+                                            </p:txEl>
+                                          </p:spTgt>
+                                        </p:tgtEl>
+                                        <p:attrNameLst>
+                                          <p:attrName>style.visibility</p:attrName>
+                                        </p:attrNameLst>
+                                      </p:cBhvr>
+                                      <p:to>
+                                        <p:strVal val="visible"/>
+                                      </p:to>
+                                    </p:set>
+                                  </p:childTnLst>
+                                </p:cTn>
+                              </p:par>
+                              <p:par>
+                                <p:cTn id="19" presetID="1" presetClass="entr" presetSubtype="0" fill="hold" nodeType="withEffect">
+                                  <p:stCondLst>
+                                    <p:cond delay="0"/>
+                                  </p:stCondLst>
+                                  <p:childTnLst>
+                                    <p:set>
+                                      <p:cBhvr>
+                                        <p:cTn id="20" dur="1" fill="hold">
+                                          <p:stCondLst>
+                                            <p:cond delay="0"/>
+                                          </p:stCondLst>
+                                        </p:cTn>
+                                        <p:tgtEl>
+                                          <p:spTgt spid="5"/>
+                                        </p:tgtEl>
+                                        <p:attrNameLst>
+                                          <p:attrName>style.visibility</p:attrName>
+                                        </p:attrNameLst>
+                                      </p:cBhvr>
+                                      <p:to>
+                                        <p:strVal val="visible"/>
+                                      </p:to>
+                                    </p:set>
+                                  </p:childTnLst>
+                                </p:cTn>
+                              </p:par>
+                            </p:childTnLst>
+                          </p:cTn>
+                        </p:par>
+                      </p:childTnLst>
+                    </p:cTn>
+                  </p:par>
+                </p:childTnLst>
+              </p:cTn>
+              <p:prevCondLst>
+                <p:cond evt="onPrev" delay="0">
+                  <p:tgtEl>
+                    <p:sldTgt/>
+                  </p:tgtEl>
+                </p:cond>
+              </p:prevCondLst>
+              <p:nextCondLst>
+                <p:cond evt="onNext" delay="0">
+                  <p:tgtEl>
+                    <p:sldTgt/>
+                  </p:tgtEl>
+                </p:cond>
+              </p:nextCondLst>
+            </p:seq>
+          </p:childTnLst>
+        </p:cTn>
       </p:par>
     </p:tnLst>
+    <p:bldLst>
+      <p:bldP spid="3" grpId="0" build="p"/>
+    </p:bldLst>
   </p:timing>
 </p:sld>
 </file>
 
-<file path=ppt/slides/slide13.xml><?xml version="1.0" encoding="utf-8"?>
+<file path=ppt/slides/slide14.xml><?xml version="1.0" encoding="utf-8"?>
 <p:sld xmlns:a="http://schemas.openxmlformats.org/drawingml/2006/main" xmlns:r="http://schemas.openxmlformats.org/officeDocument/2006/relationships" xmlns:p="http://schemas.openxmlformats.org/presentationml/2006/main">
   <p:cSld>
     <p:spTree>
@@ -4963,14 +6105,187 @@
   <p:timing>
     <p:tnLst>
       <p:par>
-        <p:cTn id="1" dur="indefinite" restart="never" nodeType="tmRoot"/>
+        <p:cTn id="1" dur="indefinite" restart="never" nodeType="tmRoot">
+          <p:childTnLst>
+            <p:seq concurrent="1" nextAc="seek">
+              <p:cTn id="2" dur="indefinite" nodeType="mainSeq">
+                <p:childTnLst>
+                  <p:par>
+                    <p:cTn id="3" fill="hold">
+                      <p:stCondLst>
+                        <p:cond delay="indefinite"/>
+                      </p:stCondLst>
+                      <p:childTnLst>
+                        <p:par>
+                          <p:cTn id="4" fill="hold">
+                            <p:stCondLst>
+                              <p:cond delay="0"/>
+                            </p:stCondLst>
+                            <p:childTnLst>
+                              <p:par>
+                                <p:cTn id="5" presetID="1" presetClass="entr" presetSubtype="0" fill="hold" grpId="0" nodeType="clickEffect">
+                                  <p:stCondLst>
+                                    <p:cond delay="0"/>
+                                  </p:stCondLst>
+                                  <p:childTnLst>
+                                    <p:set>
+                                      <p:cBhvr>
+                                        <p:cTn id="6" dur="1" fill="hold">
+                                          <p:stCondLst>
+                                            <p:cond delay="0"/>
+                                          </p:stCondLst>
+                                        </p:cTn>
+                                        <p:tgtEl>
+                                          <p:spTgt spid="3">
+                                            <p:txEl>
+                                              <p:pRg st="0" end="0"/>
+                                            </p:txEl>
+                                          </p:spTgt>
+                                        </p:tgtEl>
+                                        <p:attrNameLst>
+                                          <p:attrName>style.visibility</p:attrName>
+                                        </p:attrNameLst>
+                                      </p:cBhvr>
+                                      <p:to>
+                                        <p:strVal val="visible"/>
+                                      </p:to>
+                                    </p:set>
+                                  </p:childTnLst>
+                                </p:cTn>
+                              </p:par>
+                            </p:childTnLst>
+                          </p:cTn>
+                        </p:par>
+                      </p:childTnLst>
+                    </p:cTn>
+                  </p:par>
+                  <p:par>
+                    <p:cTn id="7" fill="hold">
+                      <p:stCondLst>
+                        <p:cond delay="indefinite"/>
+                      </p:stCondLst>
+                      <p:childTnLst>
+                        <p:par>
+                          <p:cTn id="8" fill="hold">
+                            <p:stCondLst>
+                              <p:cond delay="0"/>
+                            </p:stCondLst>
+                            <p:childTnLst>
+                              <p:par>
+                                <p:cTn id="9" presetID="1" presetClass="entr" presetSubtype="0" fill="hold" grpId="0" nodeType="clickEffect">
+                                  <p:stCondLst>
+                                    <p:cond delay="0"/>
+                                  </p:stCondLst>
+                                  <p:childTnLst>
+                                    <p:set>
+                                      <p:cBhvr>
+                                        <p:cTn id="10" dur="1" fill="hold">
+                                          <p:stCondLst>
+                                            <p:cond delay="0"/>
+                                          </p:stCondLst>
+                                        </p:cTn>
+                                        <p:tgtEl>
+                                          <p:spTgt spid="3">
+                                            <p:txEl>
+                                              <p:pRg st="1" end="1"/>
+                                            </p:txEl>
+                                          </p:spTgt>
+                                        </p:tgtEl>
+                                        <p:attrNameLst>
+                                          <p:attrName>style.visibility</p:attrName>
+                                        </p:attrNameLst>
+                                      </p:cBhvr>
+                                      <p:to>
+                                        <p:strVal val="visible"/>
+                                      </p:to>
+                                    </p:set>
+                                  </p:childTnLst>
+                                </p:cTn>
+                              </p:par>
+                            </p:childTnLst>
+                          </p:cTn>
+                        </p:par>
+                      </p:childTnLst>
+                    </p:cTn>
+                  </p:par>
+                  <p:par>
+                    <p:cTn id="11" fill="hold">
+                      <p:stCondLst>
+                        <p:cond delay="indefinite"/>
+                      </p:stCondLst>
+                      <p:childTnLst>
+                        <p:par>
+                          <p:cTn id="12" fill="hold">
+                            <p:stCondLst>
+                              <p:cond delay="0"/>
+                            </p:stCondLst>
+                            <p:childTnLst>
+                              <p:par>
+                                <p:cTn id="13" presetID="1" presetClass="entr" presetSubtype="0" fill="hold" grpId="0" nodeType="clickEffect">
+                                  <p:stCondLst>
+                                    <p:cond delay="0"/>
+                                  </p:stCondLst>
+                                  <p:childTnLst>
+                                    <p:set>
+                                      <p:cBhvr>
+                                        <p:cTn id="14" dur="1" fill="hold">
+                                          <p:stCondLst>
+                                            <p:cond delay="0"/>
+                                          </p:stCondLst>
+                                        </p:cTn>
+                                        <p:tgtEl>
+                                          <p:spTgt spid="3">
+                                            <p:txEl>
+                                              <p:pRg st="2" end="2"/>
+                                            </p:txEl>
+                                          </p:spTgt>
+                                        </p:tgtEl>
+                                        <p:attrNameLst>
+                                          <p:attrName>style.visibility</p:attrName>
+                                        </p:attrNameLst>
+                                      </p:cBhvr>
+                                      <p:to>
+                                        <p:strVal val="visible"/>
+                                      </p:to>
+                                    </p:set>
+                                  </p:childTnLst>
+                                </p:cTn>
+                              </p:par>
+                            </p:childTnLst>
+                          </p:cTn>
+                        </p:par>
+                      </p:childTnLst>
+                    </p:cTn>
+                  </p:par>
+                </p:childTnLst>
+              </p:cTn>
+              <p:prevCondLst>
+                <p:cond evt="onPrev" delay="0">
+                  <p:tgtEl>
+                    <p:sldTgt/>
+                  </p:tgtEl>
+                </p:cond>
+              </p:prevCondLst>
+              <p:nextCondLst>
+                <p:cond evt="onNext" delay="0">
+                  <p:tgtEl>
+                    <p:sldTgt/>
+                  </p:tgtEl>
+                </p:cond>
+              </p:nextCondLst>
+            </p:seq>
+          </p:childTnLst>
+        </p:cTn>
       </p:par>
     </p:tnLst>
+    <p:bldLst>
+      <p:bldP spid="3" grpId="0" build="p"/>
+    </p:bldLst>
   </p:timing>
 </p:sld>
 </file>
 
-<file path=ppt/slides/slide14.xml><?xml version="1.0" encoding="utf-8"?>
+<file path=ppt/slides/slide15.xml><?xml version="1.0" encoding="utf-8"?>
 <p:sld xmlns:a="http://schemas.openxmlformats.org/drawingml/2006/main" xmlns:r="http://schemas.openxmlformats.org/officeDocument/2006/relationships" xmlns:p="http://schemas.openxmlformats.org/presentationml/2006/main">
   <p:cSld>
     <p:spTree>
@@ -5011,7 +6326,15 @@
           <a:p>
             <a:r>
               <a:rPr lang="en-CA" i="1" dirty="0" smtClean="0"/>
-              <a:t>(from introduction) </a:t>
+              <a:t>(From </a:t>
+            </a:r>
+            <a:r>
+              <a:rPr lang="en-CA" i="1" dirty="0"/>
+              <a:t>I</a:t>
+            </a:r>
+            <a:r>
+              <a:rPr lang="en-CA" i="1" dirty="0" smtClean="0"/>
+              <a:t>ntroduction) </a:t>
             </a:r>
             <a:r>
               <a:rPr lang="en-CA" dirty="0" smtClean="0"/>
@@ -5088,277 +6411,157 @@
   <p:timing>
     <p:tnLst>
       <p:par>
-        <p:cTn id="1" dur="indefinite" restart="never" nodeType="tmRoot"/>
+        <p:cTn id="1" dur="indefinite" restart="never" nodeType="tmRoot">
+          <p:childTnLst>
+            <p:seq concurrent="1" nextAc="seek">
+              <p:cTn id="2" dur="indefinite" nodeType="mainSeq">
+                <p:childTnLst>
+                  <p:par>
+                    <p:cTn id="3" fill="hold">
+                      <p:stCondLst>
+                        <p:cond delay="indefinite"/>
+                      </p:stCondLst>
+                      <p:childTnLst>
+                        <p:par>
+                          <p:cTn id="4" fill="hold">
+                            <p:stCondLst>
+                              <p:cond delay="0"/>
+                            </p:stCondLst>
+                            <p:childTnLst>
+                              <p:par>
+                                <p:cTn id="5" presetID="1" presetClass="entr" presetSubtype="0" fill="hold" nodeType="clickEffect">
+                                  <p:stCondLst>
+                                    <p:cond delay="0"/>
+                                  </p:stCondLst>
+                                  <p:childTnLst>
+                                    <p:set>
+                                      <p:cBhvr>
+                                        <p:cTn id="6" dur="1" fill="hold">
+                                          <p:stCondLst>
+                                            <p:cond delay="0"/>
+                                          </p:stCondLst>
+                                        </p:cTn>
+                                        <p:tgtEl>
+                                          <p:spTgt spid="4"/>
+                                        </p:tgtEl>
+                                        <p:attrNameLst>
+                                          <p:attrName>style.visibility</p:attrName>
+                                        </p:attrNameLst>
+                                      </p:cBhvr>
+                                      <p:to>
+                                        <p:strVal val="visible"/>
+                                      </p:to>
+                                    </p:set>
+                                  </p:childTnLst>
+                                </p:cTn>
+                              </p:par>
+                            </p:childTnLst>
+                          </p:cTn>
+                        </p:par>
+                      </p:childTnLst>
+                    </p:cTn>
+                  </p:par>
+                  <p:par>
+                    <p:cTn id="7" fill="hold">
+                      <p:stCondLst>
+                        <p:cond delay="indefinite"/>
+                      </p:stCondLst>
+                      <p:childTnLst>
+                        <p:par>
+                          <p:cTn id="8" fill="hold">
+                            <p:stCondLst>
+                              <p:cond delay="0"/>
+                            </p:stCondLst>
+                            <p:childTnLst>
+                              <p:par>
+                                <p:cTn id="9" presetID="1" presetClass="entr" presetSubtype="0" fill="hold" grpId="0" nodeType="clickEffect">
+                                  <p:stCondLst>
+                                    <p:cond delay="0"/>
+                                  </p:stCondLst>
+                                  <p:childTnLst>
+                                    <p:set>
+                                      <p:cBhvr>
+                                        <p:cTn id="10" dur="1" fill="hold">
+                                          <p:stCondLst>
+                                            <p:cond delay="0"/>
+                                          </p:stCondLst>
+                                        </p:cTn>
+                                        <p:tgtEl>
+                                          <p:spTgt spid="3">
+                                            <p:txEl>
+                                              <p:pRg st="0" end="0"/>
+                                            </p:txEl>
+                                          </p:spTgt>
+                                        </p:tgtEl>
+                                        <p:attrNameLst>
+                                          <p:attrName>style.visibility</p:attrName>
+                                        </p:attrNameLst>
+                                      </p:cBhvr>
+                                      <p:to>
+                                        <p:strVal val="visible"/>
+                                      </p:to>
+                                    </p:set>
+                                  </p:childTnLst>
+                                </p:cTn>
+                              </p:par>
+                              <p:par>
+                                <p:cTn id="11" presetID="1" presetClass="entr" presetSubtype="0" fill="hold" grpId="0" nodeType="withEffect">
+                                  <p:stCondLst>
+                                    <p:cond delay="0"/>
+                                  </p:stCondLst>
+                                  <p:childTnLst>
+                                    <p:set>
+                                      <p:cBhvr>
+                                        <p:cTn id="12" dur="1" fill="hold">
+                                          <p:stCondLst>
+                                            <p:cond delay="0"/>
+                                          </p:stCondLst>
+                                        </p:cTn>
+                                        <p:tgtEl>
+                                          <p:spTgt spid="5"/>
+                                        </p:tgtEl>
+                                        <p:attrNameLst>
+                                          <p:attrName>style.visibility</p:attrName>
+                                        </p:attrNameLst>
+                                      </p:cBhvr>
+                                      <p:to>
+                                        <p:strVal val="visible"/>
+                                      </p:to>
+                                    </p:set>
+                                  </p:childTnLst>
+                                </p:cTn>
+                              </p:par>
+                            </p:childTnLst>
+                          </p:cTn>
+                        </p:par>
+                      </p:childTnLst>
+                    </p:cTn>
+                  </p:par>
+                </p:childTnLst>
+              </p:cTn>
+              <p:prevCondLst>
+                <p:cond evt="onPrev" delay="0">
+                  <p:tgtEl>
+                    <p:sldTgt/>
+                  </p:tgtEl>
+                </p:cond>
+              </p:prevCondLst>
+              <p:nextCondLst>
+                <p:cond evt="onNext" delay="0">
+                  <p:tgtEl>
+                    <p:sldTgt/>
+                  </p:tgtEl>
+                </p:cond>
+              </p:nextCondLst>
+            </p:seq>
+          </p:childTnLst>
+        </p:cTn>
       </p:par>
     </p:tnLst>
-  </p:timing>
-</p:sld>
-</file>
-
-<file path=ppt/slides/slide15.xml><?xml version="1.0" encoding="utf-8"?>
-<p:sld xmlns:a="http://schemas.openxmlformats.org/drawingml/2006/main" xmlns:r="http://schemas.openxmlformats.org/officeDocument/2006/relationships" xmlns:p="http://schemas.openxmlformats.org/presentationml/2006/main">
-  <p:cSld>
-    <p:spTree>
-      <p:nvGrpSpPr>
-        <p:cNvPr id="1" name=""/>
-        <p:cNvGrpSpPr/>
-        <p:nvPr/>
-      </p:nvGrpSpPr>
-      <p:grpSpPr>
-        <a:xfrm>
-          <a:off x="0" y="0"/>
-          <a:ext cx="0" cy="0"/>
-          <a:chOff x="0" y="0"/>
-          <a:chExt cx="0" cy="0"/>
-        </a:xfrm>
-      </p:grpSpPr>
-      <p:sp>
-        <p:nvSpPr>
-          <p:cNvPr id="2" name="Title 1"/>
-          <p:cNvSpPr>
-            <a:spLocks noGrp="1"/>
-          </p:cNvSpPr>
-          <p:nvPr>
-            <p:ph type="title"/>
-          </p:nvPr>
-        </p:nvSpPr>
-        <p:spPr/>
-        <p:txBody>
-          <a:bodyPr/>
-          <a:lstStyle/>
-          <a:p>
-            <a:r>
-              <a:rPr lang="en-CA" dirty="0" smtClean="0"/>
-              <a:t>Winnow Applications</a:t>
-            </a:r>
-            <a:endParaRPr lang="en-CA" dirty="0"/>
-          </a:p>
-        </p:txBody>
-      </p:sp>
-      <p:sp>
-        <p:nvSpPr>
-          <p:cNvPr id="5" name="Content Placeholder 2"/>
-          <p:cNvSpPr txBox="1">
-            <a:spLocks/>
-          </p:cNvSpPr>
-          <p:nvPr/>
-        </p:nvSpPr>
-        <p:spPr>
-          <a:xfrm>
-            <a:off x="545910" y="1978025"/>
-            <a:ext cx="10413035" cy="4351338"/>
-          </a:xfrm>
-          <a:prstGeom prst="rect">
-            <a:avLst/>
-          </a:prstGeom>
-        </p:spPr>
-        <p:txBody>
-          <a:bodyPr vert="horz" lIns="91440" tIns="45720" rIns="91440" bIns="45720" rtlCol="0">
-            <a:normAutofit/>
-          </a:bodyPr>
-          <a:lstStyle>
-            <a:lvl1pPr marL="228600" indent="-228600" algn="l" defTabSz="914400" rtl="0" eaLnBrk="1" latinLnBrk="0" hangingPunct="1">
-              <a:lnSpc>
-                <a:spcPct val="90000"/>
-              </a:lnSpc>
-              <a:spcBef>
-                <a:spcPts val="1000"/>
-              </a:spcBef>
-              <a:buFont typeface="Arial" panose="020B0604020202020204" pitchFamily="34" charset="0"/>
-              <a:buChar char="•"/>
-              <a:defRPr sz="2800" kern="1200">
-                <a:solidFill>
-                  <a:schemeClr val="tx1"/>
-                </a:solidFill>
-                <a:latin typeface="+mn-lt"/>
-                <a:ea typeface="+mn-ea"/>
-                <a:cs typeface="+mn-cs"/>
-              </a:defRPr>
-            </a:lvl1pPr>
-            <a:lvl2pPr marL="685800" indent="-228600" algn="l" defTabSz="914400" rtl="0" eaLnBrk="1" latinLnBrk="0" hangingPunct="1">
-              <a:lnSpc>
-                <a:spcPct val="90000"/>
-              </a:lnSpc>
-              <a:spcBef>
-                <a:spcPts val="500"/>
-              </a:spcBef>
-              <a:buFont typeface="Arial" panose="020B0604020202020204" pitchFamily="34" charset="0"/>
-              <a:buChar char="•"/>
-              <a:defRPr sz="2400" kern="1200">
-                <a:solidFill>
-                  <a:schemeClr val="tx1"/>
-                </a:solidFill>
-                <a:latin typeface="+mn-lt"/>
-                <a:ea typeface="+mn-ea"/>
-                <a:cs typeface="+mn-cs"/>
-              </a:defRPr>
-            </a:lvl2pPr>
-            <a:lvl3pPr marL="1143000" indent="-228600" algn="l" defTabSz="914400" rtl="0" eaLnBrk="1" latinLnBrk="0" hangingPunct="1">
-              <a:lnSpc>
-                <a:spcPct val="90000"/>
-              </a:lnSpc>
-              <a:spcBef>
-                <a:spcPts val="500"/>
-              </a:spcBef>
-              <a:buFont typeface="Arial" panose="020B0604020202020204" pitchFamily="34" charset="0"/>
-              <a:buChar char="•"/>
-              <a:defRPr sz="2000" kern="1200">
-                <a:solidFill>
-                  <a:schemeClr val="tx1"/>
-                </a:solidFill>
-                <a:latin typeface="+mn-lt"/>
-                <a:ea typeface="+mn-ea"/>
-                <a:cs typeface="+mn-cs"/>
-              </a:defRPr>
-            </a:lvl3pPr>
-            <a:lvl4pPr marL="1600200" indent="-228600" algn="l" defTabSz="914400" rtl="0" eaLnBrk="1" latinLnBrk="0" hangingPunct="1">
-              <a:lnSpc>
-                <a:spcPct val="90000"/>
-              </a:lnSpc>
-              <a:spcBef>
-                <a:spcPts val="500"/>
-              </a:spcBef>
-              <a:buFont typeface="Arial" panose="020B0604020202020204" pitchFamily="34" charset="0"/>
-              <a:buChar char="•"/>
-              <a:defRPr sz="1800" kern="1200">
-                <a:solidFill>
-                  <a:schemeClr val="tx1"/>
-                </a:solidFill>
-                <a:latin typeface="+mn-lt"/>
-                <a:ea typeface="+mn-ea"/>
-                <a:cs typeface="+mn-cs"/>
-              </a:defRPr>
-            </a:lvl4pPr>
-            <a:lvl5pPr marL="2057400" indent="-228600" algn="l" defTabSz="914400" rtl="0" eaLnBrk="1" latinLnBrk="0" hangingPunct="1">
-              <a:lnSpc>
-                <a:spcPct val="90000"/>
-              </a:lnSpc>
-              <a:spcBef>
-                <a:spcPts val="500"/>
-              </a:spcBef>
-              <a:buFont typeface="Arial" panose="020B0604020202020204" pitchFamily="34" charset="0"/>
-              <a:buChar char="•"/>
-              <a:defRPr sz="1800" kern="1200">
-                <a:solidFill>
-                  <a:schemeClr val="tx1"/>
-                </a:solidFill>
-                <a:latin typeface="+mn-lt"/>
-                <a:ea typeface="+mn-ea"/>
-                <a:cs typeface="+mn-cs"/>
-              </a:defRPr>
-            </a:lvl5pPr>
-            <a:lvl6pPr marL="2514600" indent="-228600" algn="l" defTabSz="914400" rtl="0" eaLnBrk="1" latinLnBrk="0" hangingPunct="1">
-              <a:lnSpc>
-                <a:spcPct val="90000"/>
-              </a:lnSpc>
-              <a:spcBef>
-                <a:spcPts val="500"/>
-              </a:spcBef>
-              <a:buFont typeface="Arial" panose="020B0604020202020204" pitchFamily="34" charset="0"/>
-              <a:buChar char="•"/>
-              <a:defRPr sz="1800" kern="1200">
-                <a:solidFill>
-                  <a:schemeClr val="tx1"/>
-                </a:solidFill>
-                <a:latin typeface="+mn-lt"/>
-                <a:ea typeface="+mn-ea"/>
-                <a:cs typeface="+mn-cs"/>
-              </a:defRPr>
-            </a:lvl6pPr>
-            <a:lvl7pPr marL="2971800" indent="-228600" algn="l" defTabSz="914400" rtl="0" eaLnBrk="1" latinLnBrk="0" hangingPunct="1">
-              <a:lnSpc>
-                <a:spcPct val="90000"/>
-              </a:lnSpc>
-              <a:spcBef>
-                <a:spcPts val="500"/>
-              </a:spcBef>
-              <a:buFont typeface="Arial" panose="020B0604020202020204" pitchFamily="34" charset="0"/>
-              <a:buChar char="•"/>
-              <a:defRPr sz="1800" kern="1200">
-                <a:solidFill>
-                  <a:schemeClr val="tx1"/>
-                </a:solidFill>
-                <a:latin typeface="+mn-lt"/>
-                <a:ea typeface="+mn-ea"/>
-                <a:cs typeface="+mn-cs"/>
-              </a:defRPr>
-            </a:lvl7pPr>
-            <a:lvl8pPr marL="3429000" indent="-228600" algn="l" defTabSz="914400" rtl="0" eaLnBrk="1" latinLnBrk="0" hangingPunct="1">
-              <a:lnSpc>
-                <a:spcPct val="90000"/>
-              </a:lnSpc>
-              <a:spcBef>
-                <a:spcPts val="500"/>
-              </a:spcBef>
-              <a:buFont typeface="Arial" panose="020B0604020202020204" pitchFamily="34" charset="0"/>
-              <a:buChar char="•"/>
-              <a:defRPr sz="1800" kern="1200">
-                <a:solidFill>
-                  <a:schemeClr val="tx1"/>
-                </a:solidFill>
-                <a:latin typeface="+mn-lt"/>
-                <a:ea typeface="+mn-ea"/>
-                <a:cs typeface="+mn-cs"/>
-              </a:defRPr>
-            </a:lvl8pPr>
-            <a:lvl9pPr marL="3886200" indent="-228600" algn="l" defTabSz="914400" rtl="0" eaLnBrk="1" latinLnBrk="0" hangingPunct="1">
-              <a:lnSpc>
-                <a:spcPct val="90000"/>
-              </a:lnSpc>
-              <a:spcBef>
-                <a:spcPts val="500"/>
-              </a:spcBef>
-              <a:buFont typeface="Arial" panose="020B0604020202020204" pitchFamily="34" charset="0"/>
-              <a:buChar char="•"/>
-              <a:defRPr sz="1800" kern="1200">
-                <a:solidFill>
-                  <a:schemeClr val="tx1"/>
-                </a:solidFill>
-                <a:latin typeface="+mn-lt"/>
-                <a:ea typeface="+mn-ea"/>
-                <a:cs typeface="+mn-cs"/>
-              </a:defRPr>
-            </a:lvl9pPr>
-          </a:lstStyle>
-          <a:p>
-            <a:r>
-              <a:rPr lang="en-CA" dirty="0" smtClean="0"/>
-              <a:t>Classifying large collections of documents (patent applications)</a:t>
-            </a:r>
-          </a:p>
-          <a:p>
-            <a:r>
-              <a:rPr lang="en-CA" dirty="0" smtClean="0"/>
-              <a:t>Spam filtering</a:t>
-            </a:r>
-          </a:p>
-          <a:p>
-            <a:r>
-              <a:rPr lang="en-CA" dirty="0" smtClean="0"/>
-              <a:t>Context-sensitive spelling correction</a:t>
-            </a:r>
-          </a:p>
-          <a:p>
-            <a:endParaRPr lang="en-CA" dirty="0"/>
-          </a:p>
-        </p:txBody>
-      </p:sp>
-    </p:spTree>
-    <p:extLst>
-      <p:ext uri="{BB962C8B-B14F-4D97-AF65-F5344CB8AC3E}">
-        <p14:creationId xmlns:p14="http://schemas.microsoft.com/office/powerpoint/2010/main" val="681780066"/>
-      </p:ext>
-    </p:extLst>
-  </p:cSld>
-  <p:clrMapOvr>
-    <a:masterClrMapping/>
-  </p:clrMapOvr>
-  <p:timing>
-    <p:tnLst>
-      <p:par>
-        <p:cTn id="1" dur="indefinite" restart="never" nodeType="tmRoot"/>
-      </p:par>
-    </p:tnLst>
+    <p:bldLst>
+      <p:bldP spid="3" grpId="0" build="p"/>
+      <p:bldP spid="5" grpId="0"/>
+    </p:bldLst>
   </p:timing>
 </p:sld>
 </file>
@@ -5393,7 +6596,7 @@
         <p:spPr>
           <a:xfrm>
             <a:off x="0" y="0"/>
-            <a:ext cx="10515600" cy="757093"/>
+            <a:ext cx="12192000" cy="757093"/>
           </a:xfrm>
         </p:spPr>
         <p:txBody>
@@ -5402,7 +6605,7 @@
           <a:p>
             <a:r>
               <a:rPr lang="en-CA" dirty="0" smtClean="0"/>
-              <a:t>Decision boundaries for different classifiers</a:t>
+              <a:t>Decision boundaries for different types of classifier</a:t>
             </a:r>
             <a:endParaRPr lang="en-CA" dirty="0"/>
           </a:p>
@@ -5771,7 +6974,406 @@
   <p:timing>
     <p:tnLst>
       <p:par>
-        <p:cTn id="1" dur="indefinite" restart="never" nodeType="tmRoot"/>
+        <p:cTn id="1" dur="indefinite" restart="never" nodeType="tmRoot">
+          <p:childTnLst>
+            <p:seq concurrent="1" nextAc="seek">
+              <p:cTn id="2" dur="indefinite" nodeType="mainSeq">
+                <p:childTnLst>
+                  <p:par>
+                    <p:cTn id="3" fill="hold">
+                      <p:stCondLst>
+                        <p:cond delay="indefinite"/>
+                      </p:stCondLst>
+                      <p:childTnLst>
+                        <p:par>
+                          <p:cTn id="4" fill="hold">
+                            <p:stCondLst>
+                              <p:cond delay="0"/>
+                            </p:stCondLst>
+                            <p:childTnLst>
+                              <p:par>
+                                <p:cTn id="5" presetID="1" presetClass="entr" presetSubtype="0" fill="hold" nodeType="clickEffect">
+                                  <p:stCondLst>
+                                    <p:cond delay="0"/>
+                                  </p:stCondLst>
+                                  <p:childTnLst>
+                                    <p:set>
+                                      <p:cBhvr>
+                                        <p:cTn id="6" dur="1" fill="hold">
+                                          <p:stCondLst>
+                                            <p:cond delay="0"/>
+                                          </p:stCondLst>
+                                        </p:cTn>
+                                        <p:tgtEl>
+                                          <p:spTgt spid="11">
+                                            <p:txEl>
+                                              <p:pRg st="0" end="0"/>
+                                            </p:txEl>
+                                          </p:spTgt>
+                                        </p:tgtEl>
+                                        <p:attrNameLst>
+                                          <p:attrName>style.visibility</p:attrName>
+                                        </p:attrNameLst>
+                                      </p:cBhvr>
+                                      <p:to>
+                                        <p:strVal val="visible"/>
+                                      </p:to>
+                                    </p:set>
+                                  </p:childTnLst>
+                                </p:cTn>
+                              </p:par>
+                            </p:childTnLst>
+                          </p:cTn>
+                        </p:par>
+                      </p:childTnLst>
+                    </p:cTn>
+                  </p:par>
+                  <p:par>
+                    <p:cTn id="7" fill="hold">
+                      <p:stCondLst>
+                        <p:cond delay="indefinite"/>
+                      </p:stCondLst>
+                      <p:childTnLst>
+                        <p:par>
+                          <p:cTn id="8" fill="hold">
+                            <p:stCondLst>
+                              <p:cond delay="0"/>
+                            </p:stCondLst>
+                            <p:childTnLst>
+                              <p:par>
+                                <p:cTn id="9" presetID="1" presetClass="entr" presetSubtype="0" fill="hold" nodeType="clickEffect">
+                                  <p:stCondLst>
+                                    <p:cond delay="0"/>
+                                  </p:stCondLst>
+                                  <p:childTnLst>
+                                    <p:set>
+                                      <p:cBhvr>
+                                        <p:cTn id="10" dur="1" fill="hold">
+                                          <p:stCondLst>
+                                            <p:cond delay="0"/>
+                                          </p:stCondLst>
+                                        </p:cTn>
+                                        <p:tgtEl>
+                                          <p:spTgt spid="5"/>
+                                        </p:tgtEl>
+                                        <p:attrNameLst>
+                                          <p:attrName>style.visibility</p:attrName>
+                                        </p:attrNameLst>
+                                      </p:cBhvr>
+                                      <p:to>
+                                        <p:strVal val="visible"/>
+                                      </p:to>
+                                    </p:set>
+                                  </p:childTnLst>
+                                </p:cTn>
+                              </p:par>
+                            </p:childTnLst>
+                          </p:cTn>
+                        </p:par>
+                      </p:childTnLst>
+                    </p:cTn>
+                  </p:par>
+                  <p:par>
+                    <p:cTn id="11" fill="hold">
+                      <p:stCondLst>
+                        <p:cond delay="indefinite"/>
+                      </p:stCondLst>
+                      <p:childTnLst>
+                        <p:par>
+                          <p:cTn id="12" fill="hold">
+                            <p:stCondLst>
+                              <p:cond delay="0"/>
+                            </p:stCondLst>
+                            <p:childTnLst>
+                              <p:par>
+                                <p:cTn id="13" presetID="1" presetClass="entr" presetSubtype="0" fill="hold" nodeType="clickEffect">
+                                  <p:stCondLst>
+                                    <p:cond delay="0"/>
+                                  </p:stCondLst>
+                                  <p:childTnLst>
+                                    <p:set>
+                                      <p:cBhvr>
+                                        <p:cTn id="14" dur="1" fill="hold">
+                                          <p:stCondLst>
+                                            <p:cond delay="0"/>
+                                          </p:stCondLst>
+                                        </p:cTn>
+                                        <p:tgtEl>
+                                          <p:spTgt spid="11">
+                                            <p:txEl>
+                                              <p:pRg st="1" end="1"/>
+                                            </p:txEl>
+                                          </p:spTgt>
+                                        </p:tgtEl>
+                                        <p:attrNameLst>
+                                          <p:attrName>style.visibility</p:attrName>
+                                        </p:attrNameLst>
+                                      </p:cBhvr>
+                                      <p:to>
+                                        <p:strVal val="visible"/>
+                                      </p:to>
+                                    </p:set>
+                                  </p:childTnLst>
+                                </p:cTn>
+                              </p:par>
+                            </p:childTnLst>
+                          </p:cTn>
+                        </p:par>
+                      </p:childTnLst>
+                    </p:cTn>
+                  </p:par>
+                  <p:par>
+                    <p:cTn id="15" fill="hold">
+                      <p:stCondLst>
+                        <p:cond delay="indefinite"/>
+                      </p:stCondLst>
+                      <p:childTnLst>
+                        <p:par>
+                          <p:cTn id="16" fill="hold">
+                            <p:stCondLst>
+                              <p:cond delay="0"/>
+                            </p:stCondLst>
+                            <p:childTnLst>
+                              <p:par>
+                                <p:cTn id="17" presetID="1" presetClass="entr" presetSubtype="0" fill="hold" nodeType="clickEffect">
+                                  <p:stCondLst>
+                                    <p:cond delay="0"/>
+                                  </p:stCondLst>
+                                  <p:childTnLst>
+                                    <p:set>
+                                      <p:cBhvr>
+                                        <p:cTn id="18" dur="1" fill="hold">
+                                          <p:stCondLst>
+                                            <p:cond delay="0"/>
+                                          </p:stCondLst>
+                                        </p:cTn>
+                                        <p:tgtEl>
+                                          <p:spTgt spid="6"/>
+                                        </p:tgtEl>
+                                        <p:attrNameLst>
+                                          <p:attrName>style.visibility</p:attrName>
+                                        </p:attrNameLst>
+                                      </p:cBhvr>
+                                      <p:to>
+                                        <p:strVal val="visible"/>
+                                      </p:to>
+                                    </p:set>
+                                  </p:childTnLst>
+                                </p:cTn>
+                              </p:par>
+                            </p:childTnLst>
+                          </p:cTn>
+                        </p:par>
+                      </p:childTnLst>
+                    </p:cTn>
+                  </p:par>
+                  <p:par>
+                    <p:cTn id="19" fill="hold">
+                      <p:stCondLst>
+                        <p:cond delay="indefinite"/>
+                      </p:stCondLst>
+                      <p:childTnLst>
+                        <p:par>
+                          <p:cTn id="20" fill="hold">
+                            <p:stCondLst>
+                              <p:cond delay="0"/>
+                            </p:stCondLst>
+                            <p:childTnLst>
+                              <p:par>
+                                <p:cTn id="21" presetID="1" presetClass="entr" presetSubtype="0" fill="hold" nodeType="clickEffect">
+                                  <p:stCondLst>
+                                    <p:cond delay="0"/>
+                                  </p:stCondLst>
+                                  <p:childTnLst>
+                                    <p:set>
+                                      <p:cBhvr>
+                                        <p:cTn id="22" dur="1" fill="hold">
+                                          <p:stCondLst>
+                                            <p:cond delay="0"/>
+                                          </p:stCondLst>
+                                        </p:cTn>
+                                        <p:tgtEl>
+                                          <p:spTgt spid="11">
+                                            <p:txEl>
+                                              <p:pRg st="2" end="2"/>
+                                            </p:txEl>
+                                          </p:spTgt>
+                                        </p:tgtEl>
+                                        <p:attrNameLst>
+                                          <p:attrName>style.visibility</p:attrName>
+                                        </p:attrNameLst>
+                                      </p:cBhvr>
+                                      <p:to>
+                                        <p:strVal val="visible"/>
+                                      </p:to>
+                                    </p:set>
+                                  </p:childTnLst>
+                                </p:cTn>
+                              </p:par>
+                            </p:childTnLst>
+                          </p:cTn>
+                        </p:par>
+                      </p:childTnLst>
+                    </p:cTn>
+                  </p:par>
+                  <p:par>
+                    <p:cTn id="23" fill="hold">
+                      <p:stCondLst>
+                        <p:cond delay="indefinite"/>
+                      </p:stCondLst>
+                      <p:childTnLst>
+                        <p:par>
+                          <p:cTn id="24" fill="hold">
+                            <p:stCondLst>
+                              <p:cond delay="0"/>
+                            </p:stCondLst>
+                            <p:childTnLst>
+                              <p:par>
+                                <p:cTn id="25" presetID="1" presetClass="entr" presetSubtype="0" fill="hold" nodeType="clickEffect">
+                                  <p:stCondLst>
+                                    <p:cond delay="0"/>
+                                  </p:stCondLst>
+                                  <p:childTnLst>
+                                    <p:set>
+                                      <p:cBhvr>
+                                        <p:cTn id="26" dur="1" fill="hold">
+                                          <p:stCondLst>
+                                            <p:cond delay="0"/>
+                                          </p:stCondLst>
+                                        </p:cTn>
+                                        <p:tgtEl>
+                                          <p:spTgt spid="7"/>
+                                        </p:tgtEl>
+                                        <p:attrNameLst>
+                                          <p:attrName>style.visibility</p:attrName>
+                                        </p:attrNameLst>
+                                      </p:cBhvr>
+                                      <p:to>
+                                        <p:strVal val="visible"/>
+                                      </p:to>
+                                    </p:set>
+                                  </p:childTnLst>
+                                </p:cTn>
+                              </p:par>
+                            </p:childTnLst>
+                          </p:cTn>
+                        </p:par>
+                      </p:childTnLst>
+                    </p:cTn>
+                  </p:par>
+                  <p:par>
+                    <p:cTn id="27" fill="hold">
+                      <p:stCondLst>
+                        <p:cond delay="indefinite"/>
+                      </p:stCondLst>
+                      <p:childTnLst>
+                        <p:par>
+                          <p:cTn id="28" fill="hold">
+                            <p:stCondLst>
+                              <p:cond delay="0"/>
+                            </p:stCondLst>
+                            <p:childTnLst>
+                              <p:par>
+                                <p:cTn id="29" presetID="1" presetClass="entr" presetSubtype="0" fill="hold" nodeType="clickEffect">
+                                  <p:stCondLst>
+                                    <p:cond delay="0"/>
+                                  </p:stCondLst>
+                                  <p:childTnLst>
+                                    <p:set>
+                                      <p:cBhvr>
+                                        <p:cTn id="30" dur="1" fill="hold">
+                                          <p:stCondLst>
+                                            <p:cond delay="0"/>
+                                          </p:stCondLst>
+                                        </p:cTn>
+                                        <p:tgtEl>
+                                          <p:spTgt spid="11">
+                                            <p:txEl>
+                                              <p:pRg st="3" end="3"/>
+                                            </p:txEl>
+                                          </p:spTgt>
+                                        </p:tgtEl>
+                                        <p:attrNameLst>
+                                          <p:attrName>style.visibility</p:attrName>
+                                        </p:attrNameLst>
+                                      </p:cBhvr>
+                                      <p:to>
+                                        <p:strVal val="visible"/>
+                                      </p:to>
+                                    </p:set>
+                                  </p:childTnLst>
+                                </p:cTn>
+                              </p:par>
+                            </p:childTnLst>
+                          </p:cTn>
+                        </p:par>
+                      </p:childTnLst>
+                    </p:cTn>
+                  </p:par>
+                  <p:par>
+                    <p:cTn id="31" fill="hold">
+                      <p:stCondLst>
+                        <p:cond delay="indefinite"/>
+                      </p:stCondLst>
+                      <p:childTnLst>
+                        <p:par>
+                          <p:cTn id="32" fill="hold">
+                            <p:stCondLst>
+                              <p:cond delay="0"/>
+                            </p:stCondLst>
+                            <p:childTnLst>
+                              <p:par>
+                                <p:cTn id="33" presetID="1" presetClass="entr" presetSubtype="0" fill="hold" nodeType="clickEffect">
+                                  <p:stCondLst>
+                                    <p:cond delay="0"/>
+                                  </p:stCondLst>
+                                  <p:childTnLst>
+                                    <p:set>
+                                      <p:cBhvr>
+                                        <p:cTn id="34" dur="1" fill="hold">
+                                          <p:stCondLst>
+                                            <p:cond delay="0"/>
+                                          </p:stCondLst>
+                                        </p:cTn>
+                                        <p:tgtEl>
+                                          <p:spTgt spid="8"/>
+                                        </p:tgtEl>
+                                        <p:attrNameLst>
+                                          <p:attrName>style.visibility</p:attrName>
+                                        </p:attrNameLst>
+                                      </p:cBhvr>
+                                      <p:to>
+                                        <p:strVal val="visible"/>
+                                      </p:to>
+                                    </p:set>
+                                  </p:childTnLst>
+                                </p:cTn>
+                              </p:par>
+                            </p:childTnLst>
+                          </p:cTn>
+                        </p:par>
+                      </p:childTnLst>
+                    </p:cTn>
+                  </p:par>
+                </p:childTnLst>
+              </p:cTn>
+              <p:prevCondLst>
+                <p:cond evt="onPrev" delay="0">
+                  <p:tgtEl>
+                    <p:sldTgt/>
+                  </p:tgtEl>
+                </p:cond>
+              </p:prevCondLst>
+              <p:nextCondLst>
+                <p:cond evt="onNext" delay="0">
+                  <p:tgtEl>
+                    <p:sldTgt/>
+                  </p:tgtEl>
+                </p:cond>
+              </p:nextCondLst>
+            </p:seq>
+          </p:childTnLst>
+        </p:cTn>
       </p:par>
     </p:tnLst>
   </p:timing>
@@ -5805,14 +7407,19 @@
             <p:ph type="title"/>
           </p:nvPr>
         </p:nvSpPr>
-        <p:spPr/>
+        <p:spPr>
+          <a:xfrm>
+            <a:off x="838199" y="365125"/>
+            <a:ext cx="11122831" cy="1325563"/>
+          </a:xfrm>
+        </p:spPr>
         <p:txBody>
           <a:bodyPr/>
           <a:lstStyle/>
           <a:p>
             <a:r>
               <a:rPr lang="en-CA" dirty="0" smtClean="0"/>
-              <a:t>Python example: multi-layer perceptron</a:t>
+              <a:t>Python example: perceptron applied to iris data</a:t>
             </a:r>
             <a:endParaRPr lang="en-CA" dirty="0"/>
           </a:p>
@@ -5831,7 +7438,7 @@
         <p:spPr>
           <a:xfrm>
             <a:off x="838200" y="1825625"/>
-            <a:ext cx="5153167" cy="4351338"/>
+            <a:ext cx="7252855" cy="4351338"/>
           </a:xfrm>
         </p:spPr>
         <p:txBody>
@@ -5840,86 +7447,15 @@
           <a:p>
             <a:r>
               <a:rPr lang="en-CA" dirty="0" smtClean="0"/>
-              <a:t>Handwritten digit classification</a:t>
+              <a:t>Implement perceptron in python</a:t>
             </a:r>
           </a:p>
           <a:p>
             <a:r>
               <a:rPr lang="en-CA" dirty="0" smtClean="0"/>
-              <a:t>Weight matrix visualization </a:t>
+              <a:t>Apply to iris data</a:t>
             </a:r>
             <a:endParaRPr lang="en-CA" dirty="0"/>
-          </a:p>
-        </p:txBody>
-      </p:sp>
-      <p:pic>
-        <p:nvPicPr>
-          <p:cNvPr id="3074" name="Picture 2" descr="Image result for multi layer perceptron"/>
-          <p:cNvPicPr>
-            <a:picLocks noChangeAspect="1" noChangeArrowheads="1"/>
-          </p:cNvPicPr>
-          <p:nvPr/>
-        </p:nvPicPr>
-        <p:blipFill>
-          <a:blip r:embed="rId2">
-            <a:extLst>
-              <a:ext uri="{28A0092B-C50C-407E-A947-70E740481C1C}">
-                <a14:useLocalDpi xmlns:a14="http://schemas.microsoft.com/office/drawing/2010/main" val="0"/>
-              </a:ext>
-            </a:extLst>
-          </a:blip>
-          <a:srcRect/>
-          <a:stretch>
-            <a:fillRect/>
-          </a:stretch>
-        </p:blipFill>
-        <p:spPr bwMode="auto">
-          <a:xfrm>
-            <a:off x="6558161" y="2376062"/>
-            <a:ext cx="5402870" cy="3800901"/>
-          </a:xfrm>
-          <a:prstGeom prst="rect">
-            <a:avLst/>
-          </a:prstGeom>
-          <a:noFill/>
-          <a:extLst>
-            <a:ext uri="{909E8E84-426E-40DD-AFC4-6F175D3DCCD1}">
-              <a14:hiddenFill xmlns:a14="http://schemas.microsoft.com/office/drawing/2010/main">
-                <a:solidFill>
-                  <a:srgbClr val="FFFFFF"/>
-                </a:solidFill>
-              </a14:hiddenFill>
-            </a:ext>
-          </a:extLst>
-        </p:spPr>
-      </p:pic>
-      <p:sp>
-        <p:nvSpPr>
-          <p:cNvPr id="4" name="TextBox 3"/>
-          <p:cNvSpPr txBox="1"/>
-          <p:nvPr/>
-        </p:nvSpPr>
-        <p:spPr>
-          <a:xfrm>
-            <a:off x="7065197" y="1573491"/>
-            <a:ext cx="4572000" cy="461665"/>
-          </a:xfrm>
-          <a:prstGeom prst="rect">
-            <a:avLst/>
-          </a:prstGeom>
-          <a:noFill/>
-        </p:spPr>
-        <p:txBody>
-          <a:bodyPr wrap="square" rtlCol="0">
-            <a:spAutoFit/>
-          </a:bodyPr>
-          <a:lstStyle/>
-          <a:p>
-            <a:r>
-              <a:rPr lang="en-CA" sz="2400" dirty="0" smtClean="0"/>
-              <a:t>Multi-layer perceptron:</a:t>
-            </a:r>
-            <a:endParaRPr lang="en-CA" sz="2400" dirty="0"/>
           </a:p>
         </p:txBody>
       </p:sp>
@@ -5982,14 +7518,14 @@
           <a:p>
             <a:r>
               <a:rPr lang="en-CA" dirty="0" smtClean="0"/>
-              <a:t>Logistic Regression recap</a:t>
+              <a:t>Logistic Regression review</a:t>
             </a:r>
             <a:endParaRPr lang="en-CA" dirty="0"/>
           </a:p>
         </p:txBody>
       </p:sp>
-      <mc:AlternateContent xmlns:mc="http://schemas.openxmlformats.org/markup-compatibility/2006">
-        <mc:Choice xmlns:a14="http://schemas.microsoft.com/office/drawing/2010/main" Requires="a14">
+      <mc:AlternateContent xmlns:mc="http://schemas.openxmlformats.org/markup-compatibility/2006" xmlns:a14="http://schemas.microsoft.com/office/drawing/2010/main">
+        <mc:Choice Requires="a14">
           <p:sp>
             <p:nvSpPr>
               <p:cNvPr id="3" name="Content Placeholder 2"/>
@@ -6238,9 +7774,6 @@
                   </a:rPr>
                   <a:t> (1-dimensional case)</a:t>
                 </a:r>
-                <a:endParaRPr lang="en-CA" b="0" dirty="0" smtClean="0">
-                  <a:latin typeface="Cambria Math" panose="02040503050406030204" pitchFamily="18" charset="0"/>
-                </a:endParaRPr>
               </a:p>
               <a:p>
                 <a14:m>
@@ -6377,7 +7910,7 @@
             </p:txBody>
           </p:sp>
         </mc:Choice>
-        <mc:Fallback>
+        <mc:Fallback xmlns="">
           <p:sp>
             <p:nvSpPr>
               <p:cNvPr id="3" name="Content Placeholder 2"/>
@@ -6895,7 +8428,7 @@
         <p:spPr>
           <a:xfrm>
             <a:off x="-1887" y="4599984"/>
-            <a:ext cx="7875861" cy="400110"/>
+            <a:ext cx="8071710" cy="400110"/>
           </a:xfrm>
           <a:prstGeom prst="rect">
             <a:avLst/>
@@ -6910,7 +8443,7 @@
           <a:p>
             <a:r>
               <a:rPr lang="en-CA" sz="2000" dirty="0" smtClean="0"/>
-              <a:t>Solve for weights using gradient descent on </a:t>
+              <a:t>Optimize weights using gradient descent on </a:t>
             </a:r>
             <a:r>
               <a:rPr lang="en-CA" sz="2000" b="1" dirty="0" smtClean="0"/>
@@ -6966,7 +8499,7 @@
                           <m:rPr>
                             <m:sty m:val="p"/>
                           </m:rPr>
-                          <a:rPr lang="en-CA">
+                          <a:rPr lang="en-CA" i="0">
                             <a:latin typeface="Cambria Math" panose="02040503050406030204" pitchFamily="18" charset="0"/>
                           </a:rPr>
                           <m:t>x</m:t>
@@ -6986,7 +8519,7 @@
                               <m:rPr>
                                 <m:sty m:val="p"/>
                               </m:rPr>
-                              <a:rPr lang="en-CA">
+                              <a:rPr lang="en-CA" i="0">
                                 <a:latin typeface="Cambria Math" panose="02040503050406030204" pitchFamily="18" charset="0"/>
                               </a:rPr>
                               <m:t>i</m:t>
@@ -7039,15 +8572,18 @@
                           </m:sSubSupPr>
                           <m:e>
                             <m:r>
-                              <a:rPr lang="en-CA" sz="2200" b="0" i="1" smtClean="0">
+                              <m:rPr>
+                                <m:sty m:val="p"/>
+                              </m:rPr>
+                              <a:rPr lang="en-CA" sz="2200" b="0" i="0" smtClean="0">
                                 <a:latin typeface="Cambria Math" panose="02040503050406030204" pitchFamily="18" charset="0"/>
                               </a:rPr>
-                              <m:t>𝑎</m:t>
+                              <m:t>a</m:t>
                             </m:r>
                           </m:e>
                           <m:sub>
                             <m:r>
-                              <a:rPr lang="en-CA" sz="2200" b="0" i="1" smtClean="0">
+                              <a:rPr lang="en-CA" sz="2200" b="0" i="0" smtClean="0">
                                 <a:latin typeface="Cambria Math" panose="02040503050406030204" pitchFamily="18" charset="0"/>
                               </a:rPr>
                               <m:t>1</m:t>
@@ -7055,19 +8591,22 @@
                           </m:sub>
                           <m:sup>
                             <m:r>
-                              <a:rPr lang="en-CA" sz="2200" b="0" i="1" smtClean="0">
+                              <a:rPr lang="en-CA" sz="2200" b="0" i="0" smtClean="0">
                                 <a:latin typeface="Cambria Math" panose="02040503050406030204" pitchFamily="18" charset="0"/>
                               </a:rPr>
                               <m:t>(</m:t>
                             </m:r>
                             <m:r>
-                              <a:rPr lang="en-CA" sz="2200" b="0" i="1" smtClean="0">
+                              <m:rPr>
+                                <m:sty m:val="p"/>
+                              </m:rPr>
+                              <a:rPr lang="en-CA" sz="2200" b="0" i="0" smtClean="0">
                                 <a:latin typeface="Cambria Math" panose="02040503050406030204" pitchFamily="18" charset="0"/>
                               </a:rPr>
-                              <m:t>𝑖</m:t>
+                              <m:t>i</m:t>
                             </m:r>
                             <m:r>
-                              <a:rPr lang="en-CA" sz="2200" b="0" i="1" smtClean="0">
+                              <a:rPr lang="en-CA" sz="2200" b="0" i="0" smtClean="0">
                                 <a:latin typeface="Cambria Math" panose="02040503050406030204" pitchFamily="18" charset="0"/>
                               </a:rPr>
                               <m:t>)</m:t>
@@ -7166,15 +8705,18 @@
                           </m:sSubSupPr>
                           <m:e>
                             <m:r>
-                              <a:rPr lang="en-CA" sz="2200" b="0" i="1" smtClean="0">
+                              <m:rPr>
+                                <m:sty m:val="p"/>
+                              </m:rPr>
+                              <a:rPr lang="en-CA" sz="2200" b="0" i="0" smtClean="0">
                                 <a:latin typeface="Cambria Math" panose="02040503050406030204" pitchFamily="18" charset="0"/>
                               </a:rPr>
-                              <m:t>𝑎</m:t>
+                              <m:t>a</m:t>
                             </m:r>
                           </m:e>
                           <m:sub>
                             <m:r>
-                              <a:rPr lang="en-CA" sz="2200" b="0" i="1" smtClean="0">
+                              <a:rPr lang="en-CA" sz="2200" b="0" i="0" smtClean="0">
                                 <a:latin typeface="Cambria Math" panose="02040503050406030204" pitchFamily="18" charset="0"/>
                               </a:rPr>
                               <m:t>1</m:t>
@@ -7182,19 +8724,22 @@
                           </m:sub>
                           <m:sup>
                             <m:r>
-                              <a:rPr lang="en-CA" sz="2200" b="0" i="1" smtClean="0">
+                              <a:rPr lang="en-CA" sz="2200" b="0" i="0" smtClean="0">
                                 <a:latin typeface="Cambria Math" panose="02040503050406030204" pitchFamily="18" charset="0"/>
                               </a:rPr>
                               <m:t>(</m:t>
                             </m:r>
                             <m:r>
-                              <a:rPr lang="en-CA" sz="2200" b="0" i="1" smtClean="0">
+                              <m:rPr>
+                                <m:sty m:val="p"/>
+                              </m:rPr>
+                              <a:rPr lang="en-CA" sz="2200" b="0" i="0" smtClean="0">
                                 <a:latin typeface="Cambria Math" panose="02040503050406030204" pitchFamily="18" charset="0"/>
                               </a:rPr>
-                              <m:t>𝑖</m:t>
+                              <m:t>i</m:t>
                             </m:r>
                             <m:r>
-                              <a:rPr lang="en-CA" sz="2200" b="0" i="1" smtClean="0">
+                              <a:rPr lang="en-CA" sz="2200" b="0" i="0" smtClean="0">
                                 <a:latin typeface="Cambria Math" panose="02040503050406030204" pitchFamily="18" charset="0"/>
                               </a:rPr>
                               <m:t>)</m:t>
@@ -7360,9 +8905,574 @@
   <p:timing>
     <p:tnLst>
       <p:par>
-        <p:cTn id="1" dur="indefinite" restart="never" nodeType="tmRoot"/>
+        <p:cTn id="1" dur="indefinite" restart="never" nodeType="tmRoot">
+          <p:childTnLst>
+            <p:seq concurrent="1" nextAc="seek">
+              <p:cTn id="2" dur="indefinite" nodeType="mainSeq">
+                <p:childTnLst>
+                  <p:par>
+                    <p:cTn id="3" fill="hold">
+                      <p:stCondLst>
+                        <p:cond delay="indefinite"/>
+                      </p:stCondLst>
+                      <p:childTnLst>
+                        <p:par>
+                          <p:cTn id="4" fill="hold">
+                            <p:stCondLst>
+                              <p:cond delay="0"/>
+                            </p:stCondLst>
+                            <p:childTnLst>
+                              <p:par>
+                                <p:cTn id="5" presetID="1" presetClass="entr" presetSubtype="0" fill="hold" grpId="0" nodeType="clickEffect">
+                                  <p:stCondLst>
+                                    <p:cond delay="0"/>
+                                  </p:stCondLst>
+                                  <p:childTnLst>
+                                    <p:set>
+                                      <p:cBhvr>
+                                        <p:cTn id="6" dur="1" fill="hold">
+                                          <p:stCondLst>
+                                            <p:cond delay="0"/>
+                                          </p:stCondLst>
+                                        </p:cTn>
+                                        <p:tgtEl>
+                                          <p:spTgt spid="3">
+                                            <p:txEl>
+                                              <p:pRg st="0" end="0"/>
+                                            </p:txEl>
+                                          </p:spTgt>
+                                        </p:tgtEl>
+                                        <p:attrNameLst>
+                                          <p:attrName>style.visibility</p:attrName>
+                                        </p:attrNameLst>
+                                      </p:cBhvr>
+                                      <p:to>
+                                        <p:strVal val="visible"/>
+                                      </p:to>
+                                    </p:set>
+                                  </p:childTnLst>
+                                </p:cTn>
+                              </p:par>
+                            </p:childTnLst>
+                          </p:cTn>
+                        </p:par>
+                      </p:childTnLst>
+                    </p:cTn>
+                  </p:par>
+                  <p:par>
+                    <p:cTn id="7" fill="hold">
+                      <p:stCondLst>
+                        <p:cond delay="indefinite"/>
+                      </p:stCondLst>
+                      <p:childTnLst>
+                        <p:par>
+                          <p:cTn id="8" fill="hold">
+                            <p:stCondLst>
+                              <p:cond delay="0"/>
+                            </p:stCondLst>
+                            <p:childTnLst>
+                              <p:par>
+                                <p:cTn id="9" presetID="1" presetClass="entr" presetSubtype="0" fill="hold" grpId="0" nodeType="clickEffect">
+                                  <p:stCondLst>
+                                    <p:cond delay="0"/>
+                                  </p:stCondLst>
+                                  <p:childTnLst>
+                                    <p:set>
+                                      <p:cBhvr>
+                                        <p:cTn id="10" dur="1" fill="hold">
+                                          <p:stCondLst>
+                                            <p:cond delay="0"/>
+                                          </p:stCondLst>
+                                        </p:cTn>
+                                        <p:tgtEl>
+                                          <p:spTgt spid="3">
+                                            <p:txEl>
+                                              <p:pRg st="1" end="1"/>
+                                            </p:txEl>
+                                          </p:spTgt>
+                                        </p:tgtEl>
+                                        <p:attrNameLst>
+                                          <p:attrName>style.visibility</p:attrName>
+                                        </p:attrNameLst>
+                                      </p:cBhvr>
+                                      <p:to>
+                                        <p:strVal val="visible"/>
+                                      </p:to>
+                                    </p:set>
+                                  </p:childTnLst>
+                                </p:cTn>
+                              </p:par>
+                            </p:childTnLst>
+                          </p:cTn>
+                        </p:par>
+                      </p:childTnLst>
+                    </p:cTn>
+                  </p:par>
+                  <p:par>
+                    <p:cTn id="11" fill="hold">
+                      <p:stCondLst>
+                        <p:cond delay="indefinite"/>
+                      </p:stCondLst>
+                      <p:childTnLst>
+                        <p:par>
+                          <p:cTn id="12" fill="hold">
+                            <p:stCondLst>
+                              <p:cond delay="0"/>
+                            </p:stCondLst>
+                            <p:childTnLst>
+                              <p:par>
+                                <p:cTn id="13" presetID="1" presetClass="entr" presetSubtype="0" fill="hold" grpId="0" nodeType="clickEffect">
+                                  <p:stCondLst>
+                                    <p:cond delay="0"/>
+                                  </p:stCondLst>
+                                  <p:childTnLst>
+                                    <p:set>
+                                      <p:cBhvr>
+                                        <p:cTn id="14" dur="1" fill="hold">
+                                          <p:stCondLst>
+                                            <p:cond delay="0"/>
+                                          </p:stCondLst>
+                                        </p:cTn>
+                                        <p:tgtEl>
+                                          <p:spTgt spid="3">
+                                            <p:txEl>
+                                              <p:pRg st="2" end="2"/>
+                                            </p:txEl>
+                                          </p:spTgt>
+                                        </p:tgtEl>
+                                        <p:attrNameLst>
+                                          <p:attrName>style.visibility</p:attrName>
+                                        </p:attrNameLst>
+                                      </p:cBhvr>
+                                      <p:to>
+                                        <p:strVal val="visible"/>
+                                      </p:to>
+                                    </p:set>
+                                  </p:childTnLst>
+                                </p:cTn>
+                              </p:par>
+                            </p:childTnLst>
+                          </p:cTn>
+                        </p:par>
+                      </p:childTnLst>
+                    </p:cTn>
+                  </p:par>
+                  <p:par>
+                    <p:cTn id="15" fill="hold">
+                      <p:stCondLst>
+                        <p:cond delay="indefinite"/>
+                      </p:stCondLst>
+                      <p:childTnLst>
+                        <p:par>
+                          <p:cTn id="16" fill="hold">
+                            <p:stCondLst>
+                              <p:cond delay="0"/>
+                            </p:stCondLst>
+                            <p:childTnLst>
+                              <p:par>
+                                <p:cTn id="17" presetID="1" presetClass="entr" presetSubtype="0" fill="hold" grpId="0" nodeType="clickEffect">
+                                  <p:stCondLst>
+                                    <p:cond delay="0"/>
+                                  </p:stCondLst>
+                                  <p:childTnLst>
+                                    <p:set>
+                                      <p:cBhvr>
+                                        <p:cTn id="18" dur="1" fill="hold">
+                                          <p:stCondLst>
+                                            <p:cond delay="0"/>
+                                          </p:stCondLst>
+                                        </p:cTn>
+                                        <p:tgtEl>
+                                          <p:spTgt spid="3">
+                                            <p:txEl>
+                                              <p:pRg st="3" end="3"/>
+                                            </p:txEl>
+                                          </p:spTgt>
+                                        </p:tgtEl>
+                                        <p:attrNameLst>
+                                          <p:attrName>style.visibility</p:attrName>
+                                        </p:attrNameLst>
+                                      </p:cBhvr>
+                                      <p:to>
+                                        <p:strVal val="visible"/>
+                                      </p:to>
+                                    </p:set>
+                                  </p:childTnLst>
+                                </p:cTn>
+                              </p:par>
+                            </p:childTnLst>
+                          </p:cTn>
+                        </p:par>
+                      </p:childTnLst>
+                    </p:cTn>
+                  </p:par>
+                  <p:par>
+                    <p:cTn id="19" fill="hold">
+                      <p:stCondLst>
+                        <p:cond delay="indefinite"/>
+                      </p:stCondLst>
+                      <p:childTnLst>
+                        <p:par>
+                          <p:cTn id="20" fill="hold">
+                            <p:stCondLst>
+                              <p:cond delay="0"/>
+                            </p:stCondLst>
+                            <p:childTnLst>
+                              <p:par>
+                                <p:cTn id="21" presetID="1" presetClass="entr" presetSubtype="0" fill="hold" nodeType="clickEffect">
+                                  <p:stCondLst>
+                                    <p:cond delay="0"/>
+                                  </p:stCondLst>
+                                  <p:childTnLst>
+                                    <p:set>
+                                      <p:cBhvr>
+                                        <p:cTn id="22" dur="1" fill="hold">
+                                          <p:stCondLst>
+                                            <p:cond delay="0"/>
+                                          </p:stCondLst>
+                                        </p:cTn>
+                                        <p:tgtEl>
+                                          <p:spTgt spid="5"/>
+                                        </p:tgtEl>
+                                        <p:attrNameLst>
+                                          <p:attrName>style.visibility</p:attrName>
+                                        </p:attrNameLst>
+                                      </p:cBhvr>
+                                      <p:to>
+                                        <p:strVal val="visible"/>
+                                      </p:to>
+                                    </p:set>
+                                  </p:childTnLst>
+                                </p:cTn>
+                              </p:par>
+                              <p:par>
+                                <p:cTn id="23" presetID="1" presetClass="entr" presetSubtype="0" fill="hold" grpId="0" nodeType="withEffect">
+                                  <p:stCondLst>
+                                    <p:cond delay="0"/>
+                                  </p:stCondLst>
+                                  <p:childTnLst>
+                                    <p:set>
+                                      <p:cBhvr>
+                                        <p:cTn id="24" dur="1" fill="hold">
+                                          <p:stCondLst>
+                                            <p:cond delay="0"/>
+                                          </p:stCondLst>
+                                        </p:cTn>
+                                        <p:tgtEl>
+                                          <p:spTgt spid="11"/>
+                                        </p:tgtEl>
+                                        <p:attrNameLst>
+                                          <p:attrName>style.visibility</p:attrName>
+                                        </p:attrNameLst>
+                                      </p:cBhvr>
+                                      <p:to>
+                                        <p:strVal val="visible"/>
+                                      </p:to>
+                                    </p:set>
+                                  </p:childTnLst>
+                                </p:cTn>
+                              </p:par>
+                            </p:childTnLst>
+                          </p:cTn>
+                        </p:par>
+                      </p:childTnLst>
+                    </p:cTn>
+                  </p:par>
+                  <p:par>
+                    <p:cTn id="25" fill="hold">
+                      <p:stCondLst>
+                        <p:cond delay="indefinite"/>
+                      </p:stCondLst>
+                      <p:childTnLst>
+                        <p:par>
+                          <p:cTn id="26" fill="hold">
+                            <p:stCondLst>
+                              <p:cond delay="0"/>
+                            </p:stCondLst>
+                            <p:childTnLst>
+                              <p:par>
+                                <p:cTn id="27" presetID="1" presetClass="entr" presetSubtype="0" fill="hold" grpId="0" nodeType="clickEffect">
+                                  <p:stCondLst>
+                                    <p:cond delay="0"/>
+                                  </p:stCondLst>
+                                  <p:childTnLst>
+                                    <p:set>
+                                      <p:cBhvr>
+                                        <p:cTn id="28" dur="1" fill="hold">
+                                          <p:stCondLst>
+                                            <p:cond delay="0"/>
+                                          </p:stCondLst>
+                                        </p:cTn>
+                                        <p:tgtEl>
+                                          <p:spTgt spid="3">
+                                            <p:txEl>
+                                              <p:pRg st="4" end="4"/>
+                                            </p:txEl>
+                                          </p:spTgt>
+                                        </p:tgtEl>
+                                        <p:attrNameLst>
+                                          <p:attrName>style.visibility</p:attrName>
+                                        </p:attrNameLst>
+                                      </p:cBhvr>
+                                      <p:to>
+                                        <p:strVal val="visible"/>
+                                      </p:to>
+                                    </p:set>
+                                  </p:childTnLst>
+                                </p:cTn>
+                              </p:par>
+                            </p:childTnLst>
+                          </p:cTn>
+                        </p:par>
+                      </p:childTnLst>
+                    </p:cTn>
+                  </p:par>
+                  <p:par>
+                    <p:cTn id="29" fill="hold">
+                      <p:stCondLst>
+                        <p:cond delay="indefinite"/>
+                      </p:stCondLst>
+                      <p:childTnLst>
+                        <p:par>
+                          <p:cTn id="30" fill="hold">
+                            <p:stCondLst>
+                              <p:cond delay="0"/>
+                            </p:stCondLst>
+                            <p:childTnLst>
+                              <p:par>
+                                <p:cTn id="31" presetID="1" presetClass="entr" presetSubtype="0" fill="hold" nodeType="clickEffect">
+                                  <p:stCondLst>
+                                    <p:cond delay="0"/>
+                                  </p:stCondLst>
+                                  <p:childTnLst>
+                                    <p:set>
+                                      <p:cBhvr>
+                                        <p:cTn id="32" dur="1" fill="hold">
+                                          <p:stCondLst>
+                                            <p:cond delay="0"/>
+                                          </p:stCondLst>
+                                        </p:cTn>
+                                        <p:tgtEl>
+                                          <p:spTgt spid="6"/>
+                                        </p:tgtEl>
+                                        <p:attrNameLst>
+                                          <p:attrName>style.visibility</p:attrName>
+                                        </p:attrNameLst>
+                                      </p:cBhvr>
+                                      <p:to>
+                                        <p:strVal val="visible"/>
+                                      </p:to>
+                                    </p:set>
+                                  </p:childTnLst>
+                                </p:cTn>
+                              </p:par>
+                              <p:par>
+                                <p:cTn id="33" presetID="1" presetClass="entr" presetSubtype="0" fill="hold" grpId="0" nodeType="withEffect">
+                                  <p:stCondLst>
+                                    <p:cond delay="0"/>
+                                  </p:stCondLst>
+                                  <p:childTnLst>
+                                    <p:set>
+                                      <p:cBhvr>
+                                        <p:cTn id="34" dur="1" fill="hold">
+                                          <p:stCondLst>
+                                            <p:cond delay="0"/>
+                                          </p:stCondLst>
+                                        </p:cTn>
+                                        <p:tgtEl>
+                                          <p:spTgt spid="12"/>
+                                        </p:tgtEl>
+                                        <p:attrNameLst>
+                                          <p:attrName>style.visibility</p:attrName>
+                                        </p:attrNameLst>
+                                      </p:cBhvr>
+                                      <p:to>
+                                        <p:strVal val="visible"/>
+                                      </p:to>
+                                    </p:set>
+                                  </p:childTnLst>
+                                </p:cTn>
+                              </p:par>
+                            </p:childTnLst>
+                          </p:cTn>
+                        </p:par>
+                      </p:childTnLst>
+                    </p:cTn>
+                  </p:par>
+                  <p:par>
+                    <p:cTn id="35" fill="hold">
+                      <p:stCondLst>
+                        <p:cond delay="indefinite"/>
+                      </p:stCondLst>
+                      <p:childTnLst>
+                        <p:par>
+                          <p:cTn id="36" fill="hold">
+                            <p:stCondLst>
+                              <p:cond delay="0"/>
+                            </p:stCondLst>
+                            <p:childTnLst>
+                              <p:par>
+                                <p:cTn id="37" presetID="1" presetClass="entr" presetSubtype="0" fill="hold" grpId="0" nodeType="clickEffect">
+                                  <p:stCondLst>
+                                    <p:cond delay="0"/>
+                                  </p:stCondLst>
+                                  <p:childTnLst>
+                                    <p:set>
+                                      <p:cBhvr>
+                                        <p:cTn id="38" dur="1" fill="hold">
+                                          <p:stCondLst>
+                                            <p:cond delay="0"/>
+                                          </p:stCondLst>
+                                        </p:cTn>
+                                        <p:tgtEl>
+                                          <p:spTgt spid="8"/>
+                                        </p:tgtEl>
+                                        <p:attrNameLst>
+                                          <p:attrName>style.visibility</p:attrName>
+                                        </p:attrNameLst>
+                                      </p:cBhvr>
+                                      <p:to>
+                                        <p:strVal val="visible"/>
+                                      </p:to>
+                                    </p:set>
+                                  </p:childTnLst>
+                                </p:cTn>
+                              </p:par>
+                              <p:par>
+                                <p:cTn id="39" presetID="1" presetClass="entr" presetSubtype="0" fill="hold" grpId="0" nodeType="withEffect">
+                                  <p:stCondLst>
+                                    <p:cond delay="0"/>
+                                  </p:stCondLst>
+                                  <p:childTnLst>
+                                    <p:set>
+                                      <p:cBhvr>
+                                        <p:cTn id="40" dur="1" fill="hold">
+                                          <p:stCondLst>
+                                            <p:cond delay="0"/>
+                                          </p:stCondLst>
+                                        </p:cTn>
+                                        <p:tgtEl>
+                                          <p:spTgt spid="7"/>
+                                        </p:tgtEl>
+                                        <p:attrNameLst>
+                                          <p:attrName>style.visibility</p:attrName>
+                                        </p:attrNameLst>
+                                      </p:cBhvr>
+                                      <p:to>
+                                        <p:strVal val="visible"/>
+                                      </p:to>
+                                    </p:set>
+                                  </p:childTnLst>
+                                </p:cTn>
+                              </p:par>
+                              <p:par>
+                                <p:cTn id="41" presetID="1" presetClass="entr" presetSubtype="0" fill="hold" grpId="0" nodeType="withEffect">
+                                  <p:stCondLst>
+                                    <p:cond delay="0"/>
+                                  </p:stCondLst>
+                                  <p:childTnLst>
+                                    <p:set>
+                                      <p:cBhvr>
+                                        <p:cTn id="42" dur="1" fill="hold">
+                                          <p:stCondLst>
+                                            <p:cond delay="0"/>
+                                          </p:stCondLst>
+                                        </p:cTn>
+                                        <p:tgtEl>
+                                          <p:spTgt spid="9"/>
+                                        </p:tgtEl>
+                                        <p:attrNameLst>
+                                          <p:attrName>style.visibility</p:attrName>
+                                        </p:attrNameLst>
+                                      </p:cBhvr>
+                                      <p:to>
+                                        <p:strVal val="visible"/>
+                                      </p:to>
+                                    </p:set>
+                                  </p:childTnLst>
+                                </p:cTn>
+                              </p:par>
+                            </p:childTnLst>
+                          </p:cTn>
+                        </p:par>
+                      </p:childTnLst>
+                    </p:cTn>
+                  </p:par>
+                  <p:par>
+                    <p:cTn id="43" fill="hold">
+                      <p:stCondLst>
+                        <p:cond delay="indefinite"/>
+                      </p:stCondLst>
+                      <p:childTnLst>
+                        <p:par>
+                          <p:cTn id="44" fill="hold">
+                            <p:stCondLst>
+                              <p:cond delay="0"/>
+                            </p:stCondLst>
+                            <p:childTnLst>
+                              <p:par>
+                                <p:cTn id="45" presetID="1" presetClass="entr" presetSubtype="0" fill="hold" grpId="0" nodeType="clickEffect">
+                                  <p:stCondLst>
+                                    <p:cond delay="0"/>
+                                  </p:stCondLst>
+                                  <p:childTnLst>
+                                    <p:set>
+                                      <p:cBhvr>
+                                        <p:cTn id="46" dur="1" fill="hold">
+                                          <p:stCondLst>
+                                            <p:cond delay="0"/>
+                                          </p:stCondLst>
+                                        </p:cTn>
+                                        <p:tgtEl>
+                                          <p:spTgt spid="4"/>
+                                        </p:tgtEl>
+                                        <p:attrNameLst>
+                                          <p:attrName>style.visibility</p:attrName>
+                                        </p:attrNameLst>
+                                      </p:cBhvr>
+                                      <p:to>
+                                        <p:strVal val="visible"/>
+                                      </p:to>
+                                    </p:set>
+                                  </p:childTnLst>
+                                </p:cTn>
+                              </p:par>
+                            </p:childTnLst>
+                          </p:cTn>
+                        </p:par>
+                      </p:childTnLst>
+                    </p:cTn>
+                  </p:par>
+                </p:childTnLst>
+              </p:cTn>
+              <p:prevCondLst>
+                <p:cond evt="onPrev" delay="0">
+                  <p:tgtEl>
+                    <p:sldTgt/>
+                  </p:tgtEl>
+                </p:cond>
+              </p:prevCondLst>
+              <p:nextCondLst>
+                <p:cond evt="onNext" delay="0">
+                  <p:tgtEl>
+                    <p:sldTgt/>
+                  </p:tgtEl>
+                </p:cond>
+              </p:nextCondLst>
+            </p:seq>
+          </p:childTnLst>
+        </p:cTn>
       </p:par>
     </p:tnLst>
+    <p:bldLst>
+      <p:bldP spid="3" grpId="0" uiExpand="1" build="p"/>
+      <p:bldP spid="7" grpId="0"/>
+      <p:bldP spid="8" grpId="0"/>
+      <p:bldP spid="9" grpId="0"/>
+      <p:bldP spid="11" grpId="0"/>
+      <p:bldP spid="12" grpId="0"/>
+      <p:bldP spid="4" grpId="0"/>
+    </p:bldLst>
   </p:timing>
 </p:sld>
 </file>
@@ -7707,15 +9817,7 @@
               <a:p>
                 <a:r>
                   <a:rPr lang="en-CA" dirty="0" smtClean="0"/>
-                  <a:t>Because this is a linear equality in the attribute values, the boundary is a plane/</a:t>
-                </a:r>
-                <a:r>
-                  <a:rPr lang="en-CA" dirty="0" err="1" smtClean="0"/>
-                  <a:t>hyerplane</a:t>
-                </a:r>
-                <a:r>
-                  <a:rPr lang="en-CA" dirty="0" smtClean="0"/>
-                  <a:t> in instance space</a:t>
+                  <a:t>Because this is a linear equality in the attribute values, the boundary is a plane/hyperplane in instance space</a:t>
                 </a:r>
               </a:p>
               <a:p>
@@ -7801,7 +9903,7 @@
               <a:blipFill>
                 <a:blip r:embed="rId2"/>
                 <a:stretch>
-                  <a:fillRect l="-1335" t="-2033" r="-964"/>
+                  <a:fillRect l="-1335" t="-2033"/>
                 </a:stretch>
               </a:blipFill>
             </p:spPr>
@@ -7843,8 +9945,8 @@
         </p:blipFill>
         <p:spPr bwMode="auto">
           <a:xfrm>
-            <a:off x="8340434" y="1825625"/>
-            <a:ext cx="3713021" cy="3542526"/>
+            <a:off x="8756072" y="3555811"/>
+            <a:ext cx="3214255" cy="3066662"/>
           </a:xfrm>
           <a:prstGeom prst="rect">
             <a:avLst/>
@@ -7861,6 +9963,65 @@
           </a:extLst>
         </p:spPr>
       </p:pic>
+      <p:pic>
+        <p:nvPicPr>
+          <p:cNvPr id="6" name="Picture 5"/>
+          <p:cNvPicPr>
+            <a:picLocks noChangeAspect="1"/>
+          </p:cNvPicPr>
+          <p:nvPr/>
+        </p:nvPicPr>
+        <p:blipFill>
+          <a:blip r:embed="rId4"/>
+          <a:stretch>
+            <a:fillRect/>
+          </a:stretch>
+        </p:blipFill>
+        <p:spPr>
+          <a:xfrm>
+            <a:off x="7901921" y="278837"/>
+            <a:ext cx="4276224" cy="2823702"/>
+          </a:xfrm>
+          <a:prstGeom prst="rect">
+            <a:avLst/>
+          </a:prstGeom>
+        </p:spPr>
+      </p:pic>
+      <p:cxnSp>
+        <p:nvCxnSpPr>
+          <p:cNvPr id="10" name="Straight Connector 9"/>
+          <p:cNvCxnSpPr/>
+          <p:nvPr/>
+        </p:nvCxnSpPr>
+        <p:spPr>
+          <a:xfrm>
+            <a:off x="8243455" y="1593274"/>
+            <a:ext cx="3851564" cy="5109"/>
+          </a:xfrm>
+          <a:prstGeom prst="line">
+            <a:avLst/>
+          </a:prstGeom>
+          <a:ln w="57150">
+            <a:solidFill>
+              <a:srgbClr val="FF0000"/>
+            </a:solidFill>
+          </a:ln>
+        </p:spPr>
+        <p:style>
+          <a:lnRef idx="1">
+            <a:schemeClr val="accent1"/>
+          </a:lnRef>
+          <a:fillRef idx="0">
+            <a:schemeClr val="accent1"/>
+          </a:fillRef>
+          <a:effectRef idx="0">
+            <a:schemeClr val="accent1"/>
+          </a:effectRef>
+          <a:fontRef idx="minor">
+            <a:schemeClr val="tx1"/>
+          </a:fontRef>
+        </p:style>
+      </p:cxnSp>
     </p:spTree>
     <p:extLst>
       <p:ext uri="{BB962C8B-B14F-4D97-AF65-F5344CB8AC3E}">
@@ -7874,9 +10035,415 @@
   <p:timing>
     <p:tnLst>
       <p:par>
-        <p:cTn id="1" dur="indefinite" restart="never" nodeType="tmRoot"/>
+        <p:cTn id="1" dur="indefinite" restart="never" nodeType="tmRoot">
+          <p:childTnLst>
+            <p:seq concurrent="1" nextAc="seek">
+              <p:cTn id="2" dur="indefinite" nodeType="mainSeq">
+                <p:childTnLst>
+                  <p:par>
+                    <p:cTn id="3" fill="hold">
+                      <p:stCondLst>
+                        <p:cond delay="indefinite"/>
+                      </p:stCondLst>
+                      <p:childTnLst>
+                        <p:par>
+                          <p:cTn id="4" fill="hold">
+                            <p:stCondLst>
+                              <p:cond delay="0"/>
+                            </p:stCondLst>
+                            <p:childTnLst>
+                              <p:par>
+                                <p:cTn id="5" presetID="1" presetClass="entr" presetSubtype="0" fill="hold" grpId="0" nodeType="clickEffect">
+                                  <p:stCondLst>
+                                    <p:cond delay="0"/>
+                                  </p:stCondLst>
+                                  <p:childTnLst>
+                                    <p:set>
+                                      <p:cBhvr>
+                                        <p:cTn id="6" dur="1" fill="hold">
+                                          <p:stCondLst>
+                                            <p:cond delay="0"/>
+                                          </p:stCondLst>
+                                        </p:cTn>
+                                        <p:tgtEl>
+                                          <p:spTgt spid="3">
+                                            <p:txEl>
+                                              <p:pRg st="0" end="0"/>
+                                            </p:txEl>
+                                          </p:spTgt>
+                                        </p:tgtEl>
+                                        <p:attrNameLst>
+                                          <p:attrName>style.visibility</p:attrName>
+                                        </p:attrNameLst>
+                                      </p:cBhvr>
+                                      <p:to>
+                                        <p:strVal val="visible"/>
+                                      </p:to>
+                                    </p:set>
+                                  </p:childTnLst>
+                                </p:cTn>
+                              </p:par>
+                            </p:childTnLst>
+                          </p:cTn>
+                        </p:par>
+                      </p:childTnLst>
+                    </p:cTn>
+                  </p:par>
+                  <p:par>
+                    <p:cTn id="7" fill="hold">
+                      <p:stCondLst>
+                        <p:cond delay="indefinite"/>
+                      </p:stCondLst>
+                      <p:childTnLst>
+                        <p:par>
+                          <p:cTn id="8" fill="hold">
+                            <p:stCondLst>
+                              <p:cond delay="0"/>
+                            </p:stCondLst>
+                            <p:childTnLst>
+                              <p:par>
+                                <p:cTn id="9" presetID="1" presetClass="entr" presetSubtype="0" fill="hold" grpId="0" nodeType="clickEffect">
+                                  <p:stCondLst>
+                                    <p:cond delay="0"/>
+                                  </p:stCondLst>
+                                  <p:childTnLst>
+                                    <p:set>
+                                      <p:cBhvr>
+                                        <p:cTn id="10" dur="1" fill="hold">
+                                          <p:stCondLst>
+                                            <p:cond delay="0"/>
+                                          </p:stCondLst>
+                                        </p:cTn>
+                                        <p:tgtEl>
+                                          <p:spTgt spid="3">
+                                            <p:txEl>
+                                              <p:pRg st="1" end="1"/>
+                                            </p:txEl>
+                                          </p:spTgt>
+                                        </p:tgtEl>
+                                        <p:attrNameLst>
+                                          <p:attrName>style.visibility</p:attrName>
+                                        </p:attrNameLst>
+                                      </p:cBhvr>
+                                      <p:to>
+                                        <p:strVal val="visible"/>
+                                      </p:to>
+                                    </p:set>
+                                  </p:childTnLst>
+                                </p:cTn>
+                              </p:par>
+                            </p:childTnLst>
+                          </p:cTn>
+                        </p:par>
+                      </p:childTnLst>
+                    </p:cTn>
+                  </p:par>
+                  <p:par>
+                    <p:cTn id="11" fill="hold">
+                      <p:stCondLst>
+                        <p:cond delay="indefinite"/>
+                      </p:stCondLst>
+                      <p:childTnLst>
+                        <p:par>
+                          <p:cTn id="12" fill="hold">
+                            <p:stCondLst>
+                              <p:cond delay="0"/>
+                            </p:stCondLst>
+                            <p:childTnLst>
+                              <p:par>
+                                <p:cTn id="13" presetID="1" presetClass="entr" presetSubtype="0" fill="hold" nodeType="clickEffect">
+                                  <p:stCondLst>
+                                    <p:cond delay="0"/>
+                                  </p:stCondLst>
+                                  <p:childTnLst>
+                                    <p:set>
+                                      <p:cBhvr>
+                                        <p:cTn id="14" dur="1" fill="hold">
+                                          <p:stCondLst>
+                                            <p:cond delay="0"/>
+                                          </p:stCondLst>
+                                        </p:cTn>
+                                        <p:tgtEl>
+                                          <p:spTgt spid="6"/>
+                                        </p:tgtEl>
+                                        <p:attrNameLst>
+                                          <p:attrName>style.visibility</p:attrName>
+                                        </p:attrNameLst>
+                                      </p:cBhvr>
+                                      <p:to>
+                                        <p:strVal val="visible"/>
+                                      </p:to>
+                                    </p:set>
+                                  </p:childTnLst>
+                                </p:cTn>
+                              </p:par>
+                            </p:childTnLst>
+                          </p:cTn>
+                        </p:par>
+                      </p:childTnLst>
+                    </p:cTn>
+                  </p:par>
+                  <p:par>
+                    <p:cTn id="15" fill="hold">
+                      <p:stCondLst>
+                        <p:cond delay="indefinite"/>
+                      </p:stCondLst>
+                      <p:childTnLst>
+                        <p:par>
+                          <p:cTn id="16" fill="hold">
+                            <p:stCondLst>
+                              <p:cond delay="0"/>
+                            </p:stCondLst>
+                            <p:childTnLst>
+                              <p:par>
+                                <p:cTn id="17" presetID="1" presetClass="entr" presetSubtype="0" fill="hold" nodeType="clickEffect">
+                                  <p:stCondLst>
+                                    <p:cond delay="0"/>
+                                  </p:stCondLst>
+                                  <p:childTnLst>
+                                    <p:set>
+                                      <p:cBhvr>
+                                        <p:cTn id="18" dur="1" fill="hold">
+                                          <p:stCondLst>
+                                            <p:cond delay="0"/>
+                                          </p:stCondLst>
+                                        </p:cTn>
+                                        <p:tgtEl>
+                                          <p:spTgt spid="10"/>
+                                        </p:tgtEl>
+                                        <p:attrNameLst>
+                                          <p:attrName>style.visibility</p:attrName>
+                                        </p:attrNameLst>
+                                      </p:cBhvr>
+                                      <p:to>
+                                        <p:strVal val="visible"/>
+                                      </p:to>
+                                    </p:set>
+                                  </p:childTnLst>
+                                </p:cTn>
+                              </p:par>
+                            </p:childTnLst>
+                          </p:cTn>
+                        </p:par>
+                      </p:childTnLst>
+                    </p:cTn>
+                  </p:par>
+                  <p:par>
+                    <p:cTn id="19" fill="hold">
+                      <p:stCondLst>
+                        <p:cond delay="indefinite"/>
+                      </p:stCondLst>
+                      <p:childTnLst>
+                        <p:par>
+                          <p:cTn id="20" fill="hold">
+                            <p:stCondLst>
+                              <p:cond delay="0"/>
+                            </p:stCondLst>
+                            <p:childTnLst>
+                              <p:par>
+                                <p:cTn id="21" presetID="1" presetClass="entr" presetSubtype="0" fill="hold" grpId="0" nodeType="clickEffect">
+                                  <p:stCondLst>
+                                    <p:cond delay="0"/>
+                                  </p:stCondLst>
+                                  <p:childTnLst>
+                                    <p:set>
+                                      <p:cBhvr>
+                                        <p:cTn id="22" dur="1" fill="hold">
+                                          <p:stCondLst>
+                                            <p:cond delay="0"/>
+                                          </p:stCondLst>
+                                        </p:cTn>
+                                        <p:tgtEl>
+                                          <p:spTgt spid="3">
+                                            <p:txEl>
+                                              <p:pRg st="2" end="2"/>
+                                            </p:txEl>
+                                          </p:spTgt>
+                                        </p:tgtEl>
+                                        <p:attrNameLst>
+                                          <p:attrName>style.visibility</p:attrName>
+                                        </p:attrNameLst>
+                                      </p:cBhvr>
+                                      <p:to>
+                                        <p:strVal val="visible"/>
+                                      </p:to>
+                                    </p:set>
+                                  </p:childTnLst>
+                                </p:cTn>
+                              </p:par>
+                            </p:childTnLst>
+                          </p:cTn>
+                        </p:par>
+                      </p:childTnLst>
+                    </p:cTn>
+                  </p:par>
+                  <p:par>
+                    <p:cTn id="23" fill="hold">
+                      <p:stCondLst>
+                        <p:cond delay="indefinite"/>
+                      </p:stCondLst>
+                      <p:childTnLst>
+                        <p:par>
+                          <p:cTn id="24" fill="hold">
+                            <p:stCondLst>
+                              <p:cond delay="0"/>
+                            </p:stCondLst>
+                            <p:childTnLst>
+                              <p:par>
+                                <p:cTn id="25" presetID="1" presetClass="entr" presetSubtype="0" fill="hold" grpId="0" nodeType="clickEffect">
+                                  <p:stCondLst>
+                                    <p:cond delay="0"/>
+                                  </p:stCondLst>
+                                  <p:childTnLst>
+                                    <p:set>
+                                      <p:cBhvr>
+                                        <p:cTn id="26" dur="1" fill="hold">
+                                          <p:stCondLst>
+                                            <p:cond delay="0"/>
+                                          </p:stCondLst>
+                                        </p:cTn>
+                                        <p:tgtEl>
+                                          <p:spTgt spid="3">
+                                            <p:txEl>
+                                              <p:pRg st="3" end="3"/>
+                                            </p:txEl>
+                                          </p:spTgt>
+                                        </p:tgtEl>
+                                        <p:attrNameLst>
+                                          <p:attrName>style.visibility</p:attrName>
+                                        </p:attrNameLst>
+                                      </p:cBhvr>
+                                      <p:to>
+                                        <p:strVal val="visible"/>
+                                      </p:to>
+                                    </p:set>
+                                  </p:childTnLst>
+                                </p:cTn>
+                              </p:par>
+                            </p:childTnLst>
+                          </p:cTn>
+                        </p:par>
+                      </p:childTnLst>
+                    </p:cTn>
+                  </p:par>
+                  <p:par>
+                    <p:cTn id="27" fill="hold">
+                      <p:stCondLst>
+                        <p:cond delay="indefinite"/>
+                      </p:stCondLst>
+                      <p:childTnLst>
+                        <p:par>
+                          <p:cTn id="28" fill="hold">
+                            <p:stCondLst>
+                              <p:cond delay="0"/>
+                            </p:stCondLst>
+                            <p:childTnLst>
+                              <p:par>
+                                <p:cTn id="29" presetID="1" presetClass="entr" presetSubtype="0" fill="hold" nodeType="clickEffect">
+                                  <p:stCondLst>
+                                    <p:cond delay="0"/>
+                                  </p:stCondLst>
+                                  <p:childTnLst>
+                                    <p:set>
+                                      <p:cBhvr>
+                                        <p:cTn id="30" dur="1" fill="hold">
+                                          <p:stCondLst>
+                                            <p:cond delay="0"/>
+                                          </p:stCondLst>
+                                        </p:cTn>
+                                        <p:tgtEl>
+                                          <p:spTgt spid="4"/>
+                                        </p:tgtEl>
+                                        <p:attrNameLst>
+                                          <p:attrName>style.visibility</p:attrName>
+                                        </p:attrNameLst>
+                                      </p:cBhvr>
+                                      <p:to>
+                                        <p:strVal val="visible"/>
+                                      </p:to>
+                                    </p:set>
+                                  </p:childTnLst>
+                                </p:cTn>
+                              </p:par>
+                            </p:childTnLst>
+                          </p:cTn>
+                        </p:par>
+                      </p:childTnLst>
+                    </p:cTn>
+                  </p:par>
+                  <p:par>
+                    <p:cTn id="31" fill="hold">
+                      <p:stCondLst>
+                        <p:cond delay="indefinite"/>
+                      </p:stCondLst>
+                      <p:childTnLst>
+                        <p:par>
+                          <p:cTn id="32" fill="hold">
+                            <p:stCondLst>
+                              <p:cond delay="0"/>
+                            </p:stCondLst>
+                            <p:childTnLst>
+                              <p:par>
+                                <p:cTn id="33" presetID="1" presetClass="entr" presetSubtype="0" fill="hold" grpId="0" nodeType="clickEffect">
+                                  <p:stCondLst>
+                                    <p:cond delay="0"/>
+                                  </p:stCondLst>
+                                  <p:childTnLst>
+                                    <p:set>
+                                      <p:cBhvr>
+                                        <p:cTn id="34" dur="1" fill="hold">
+                                          <p:stCondLst>
+                                            <p:cond delay="0"/>
+                                          </p:stCondLst>
+                                        </p:cTn>
+                                        <p:tgtEl>
+                                          <p:spTgt spid="3">
+                                            <p:txEl>
+                                              <p:pRg st="4" end="4"/>
+                                            </p:txEl>
+                                          </p:spTgt>
+                                        </p:tgtEl>
+                                        <p:attrNameLst>
+                                          <p:attrName>style.visibility</p:attrName>
+                                        </p:attrNameLst>
+                                      </p:cBhvr>
+                                      <p:to>
+                                        <p:strVal val="visible"/>
+                                      </p:to>
+                                    </p:set>
+                                  </p:childTnLst>
+                                </p:cTn>
+                              </p:par>
+                            </p:childTnLst>
+                          </p:cTn>
+                        </p:par>
+                      </p:childTnLst>
+                    </p:cTn>
+                  </p:par>
+                </p:childTnLst>
+              </p:cTn>
+              <p:prevCondLst>
+                <p:cond evt="onPrev" delay="0">
+                  <p:tgtEl>
+                    <p:sldTgt/>
+                  </p:tgtEl>
+                </p:cond>
+              </p:prevCondLst>
+              <p:nextCondLst>
+                <p:cond evt="onNext" delay="0">
+                  <p:tgtEl>
+                    <p:sldTgt/>
+                  </p:tgtEl>
+                </p:cond>
+              </p:nextCondLst>
+            </p:seq>
+          </p:childTnLst>
+        </p:cTn>
       </p:par>
     </p:tnLst>
+    <p:bldLst>
+      <p:bldP spid="3" grpId="0" uiExpand="1" build="p"/>
+    </p:bldLst>
   </p:timing>
 </p:sld>
 </file>
@@ -7985,9 +10552,280 @@
   <p:timing>
     <p:tnLst>
       <p:par>
-        <p:cTn id="1" dur="indefinite" restart="never" nodeType="tmRoot"/>
+        <p:cTn id="1" dur="indefinite" restart="never" nodeType="tmRoot">
+          <p:childTnLst>
+            <p:seq concurrent="1" nextAc="seek">
+              <p:cTn id="2" dur="indefinite" nodeType="mainSeq">
+                <p:childTnLst>
+                  <p:par>
+                    <p:cTn id="3" fill="hold">
+                      <p:stCondLst>
+                        <p:cond delay="indefinite"/>
+                      </p:stCondLst>
+                      <p:childTnLst>
+                        <p:par>
+                          <p:cTn id="4" fill="hold">
+                            <p:stCondLst>
+                              <p:cond delay="0"/>
+                            </p:stCondLst>
+                            <p:childTnLst>
+                              <p:par>
+                                <p:cTn id="5" presetID="1" presetClass="entr" presetSubtype="0" fill="hold" grpId="0" nodeType="clickEffect">
+                                  <p:stCondLst>
+                                    <p:cond delay="0"/>
+                                  </p:stCondLst>
+                                  <p:childTnLst>
+                                    <p:set>
+                                      <p:cBhvr>
+                                        <p:cTn id="6" dur="1" fill="hold">
+                                          <p:stCondLst>
+                                            <p:cond delay="0"/>
+                                          </p:stCondLst>
+                                        </p:cTn>
+                                        <p:tgtEl>
+                                          <p:spTgt spid="3">
+                                            <p:txEl>
+                                              <p:pRg st="0" end="0"/>
+                                            </p:txEl>
+                                          </p:spTgt>
+                                        </p:tgtEl>
+                                        <p:attrNameLst>
+                                          <p:attrName>style.visibility</p:attrName>
+                                        </p:attrNameLst>
+                                      </p:cBhvr>
+                                      <p:to>
+                                        <p:strVal val="visible"/>
+                                      </p:to>
+                                    </p:set>
+                                  </p:childTnLst>
+                                </p:cTn>
+                              </p:par>
+                            </p:childTnLst>
+                          </p:cTn>
+                        </p:par>
+                      </p:childTnLst>
+                    </p:cTn>
+                  </p:par>
+                  <p:par>
+                    <p:cTn id="7" fill="hold">
+                      <p:stCondLst>
+                        <p:cond delay="indefinite"/>
+                      </p:stCondLst>
+                      <p:childTnLst>
+                        <p:par>
+                          <p:cTn id="8" fill="hold">
+                            <p:stCondLst>
+                              <p:cond delay="0"/>
+                            </p:stCondLst>
+                            <p:childTnLst>
+                              <p:par>
+                                <p:cTn id="9" presetID="1" presetClass="entr" presetSubtype="0" fill="hold" grpId="0" nodeType="clickEffect">
+                                  <p:stCondLst>
+                                    <p:cond delay="0"/>
+                                  </p:stCondLst>
+                                  <p:childTnLst>
+                                    <p:set>
+                                      <p:cBhvr>
+                                        <p:cTn id="10" dur="1" fill="hold">
+                                          <p:stCondLst>
+                                            <p:cond delay="0"/>
+                                          </p:stCondLst>
+                                        </p:cTn>
+                                        <p:tgtEl>
+                                          <p:spTgt spid="3">
+                                            <p:txEl>
+                                              <p:pRg st="1" end="1"/>
+                                            </p:txEl>
+                                          </p:spTgt>
+                                        </p:tgtEl>
+                                        <p:attrNameLst>
+                                          <p:attrName>style.visibility</p:attrName>
+                                        </p:attrNameLst>
+                                      </p:cBhvr>
+                                      <p:to>
+                                        <p:strVal val="visible"/>
+                                      </p:to>
+                                    </p:set>
+                                  </p:childTnLst>
+                                </p:cTn>
+                              </p:par>
+                            </p:childTnLst>
+                          </p:cTn>
+                        </p:par>
+                      </p:childTnLst>
+                    </p:cTn>
+                  </p:par>
+                  <p:par>
+                    <p:cTn id="11" fill="hold">
+                      <p:stCondLst>
+                        <p:cond delay="indefinite"/>
+                      </p:stCondLst>
+                      <p:childTnLst>
+                        <p:par>
+                          <p:cTn id="12" fill="hold">
+                            <p:stCondLst>
+                              <p:cond delay="0"/>
+                            </p:stCondLst>
+                            <p:childTnLst>
+                              <p:par>
+                                <p:cTn id="13" presetID="1" presetClass="entr" presetSubtype="0" fill="hold" grpId="0" nodeType="clickEffect">
+                                  <p:stCondLst>
+                                    <p:cond delay="0"/>
+                                  </p:stCondLst>
+                                  <p:childTnLst>
+                                    <p:set>
+                                      <p:cBhvr>
+                                        <p:cTn id="14" dur="1" fill="hold">
+                                          <p:stCondLst>
+                                            <p:cond delay="0"/>
+                                          </p:stCondLst>
+                                        </p:cTn>
+                                        <p:tgtEl>
+                                          <p:spTgt spid="3">
+                                            <p:txEl>
+                                              <p:pRg st="2" end="2"/>
+                                            </p:txEl>
+                                          </p:spTgt>
+                                        </p:tgtEl>
+                                        <p:attrNameLst>
+                                          <p:attrName>style.visibility</p:attrName>
+                                        </p:attrNameLst>
+                                      </p:cBhvr>
+                                      <p:to>
+                                        <p:strVal val="visible"/>
+                                      </p:to>
+                                    </p:set>
+                                  </p:childTnLst>
+                                </p:cTn>
+                              </p:par>
+                            </p:childTnLst>
+                          </p:cTn>
+                        </p:par>
+                      </p:childTnLst>
+                    </p:cTn>
+                  </p:par>
+                  <p:par>
+                    <p:cTn id="15" fill="hold">
+                      <p:stCondLst>
+                        <p:cond delay="indefinite"/>
+                      </p:stCondLst>
+                      <p:childTnLst>
+                        <p:par>
+                          <p:cTn id="16" fill="hold">
+                            <p:stCondLst>
+                              <p:cond delay="0"/>
+                            </p:stCondLst>
+                            <p:childTnLst>
+                              <p:par>
+                                <p:cTn id="17" presetID="1" presetClass="entr" presetSubtype="0" fill="hold" grpId="0" nodeType="clickEffect">
+                                  <p:stCondLst>
+                                    <p:cond delay="0"/>
+                                  </p:stCondLst>
+                                  <p:childTnLst>
+                                    <p:set>
+                                      <p:cBhvr>
+                                        <p:cTn id="18" dur="1" fill="hold">
+                                          <p:stCondLst>
+                                            <p:cond delay="0"/>
+                                          </p:stCondLst>
+                                        </p:cTn>
+                                        <p:tgtEl>
+                                          <p:spTgt spid="3">
+                                            <p:txEl>
+                                              <p:pRg st="3" end="3"/>
+                                            </p:txEl>
+                                          </p:spTgt>
+                                        </p:tgtEl>
+                                        <p:attrNameLst>
+                                          <p:attrName>style.visibility</p:attrName>
+                                        </p:attrNameLst>
+                                      </p:cBhvr>
+                                      <p:to>
+                                        <p:strVal val="visible"/>
+                                      </p:to>
+                                    </p:set>
+                                  </p:childTnLst>
+                                </p:cTn>
+                              </p:par>
+                            </p:childTnLst>
+                          </p:cTn>
+                        </p:par>
+                      </p:childTnLst>
+                    </p:cTn>
+                  </p:par>
+                  <p:par>
+                    <p:cTn id="19" fill="hold">
+                      <p:stCondLst>
+                        <p:cond delay="indefinite"/>
+                      </p:stCondLst>
+                      <p:childTnLst>
+                        <p:par>
+                          <p:cTn id="20" fill="hold">
+                            <p:stCondLst>
+                              <p:cond delay="0"/>
+                            </p:stCondLst>
+                            <p:childTnLst>
+                              <p:par>
+                                <p:cTn id="21" presetID="1" presetClass="entr" presetSubtype="0" fill="hold" grpId="0" nodeType="clickEffect">
+                                  <p:stCondLst>
+                                    <p:cond delay="0"/>
+                                  </p:stCondLst>
+                                  <p:childTnLst>
+                                    <p:set>
+                                      <p:cBhvr>
+                                        <p:cTn id="22" dur="1" fill="hold">
+                                          <p:stCondLst>
+                                            <p:cond delay="0"/>
+                                          </p:stCondLst>
+                                        </p:cTn>
+                                        <p:tgtEl>
+                                          <p:spTgt spid="3">
+                                            <p:txEl>
+                                              <p:pRg st="4" end="4"/>
+                                            </p:txEl>
+                                          </p:spTgt>
+                                        </p:tgtEl>
+                                        <p:attrNameLst>
+                                          <p:attrName>style.visibility</p:attrName>
+                                        </p:attrNameLst>
+                                      </p:cBhvr>
+                                      <p:to>
+                                        <p:strVal val="visible"/>
+                                      </p:to>
+                                    </p:set>
+                                  </p:childTnLst>
+                                </p:cTn>
+                              </p:par>
+                            </p:childTnLst>
+                          </p:cTn>
+                        </p:par>
+                      </p:childTnLst>
+                    </p:cTn>
+                  </p:par>
+                </p:childTnLst>
+              </p:cTn>
+              <p:prevCondLst>
+                <p:cond evt="onPrev" delay="0">
+                  <p:tgtEl>
+                    <p:sldTgt/>
+                  </p:tgtEl>
+                </p:cond>
+              </p:prevCondLst>
+              <p:nextCondLst>
+                <p:cond evt="onNext" delay="0">
+                  <p:tgtEl>
+                    <p:sldTgt/>
+                  </p:tgtEl>
+                </p:cond>
+              </p:nextCondLst>
+            </p:seq>
+          </p:childTnLst>
+        </p:cTn>
       </p:par>
     </p:tnLst>
+    <p:bldLst>
+      <p:bldP spid="3" grpId="0" build="p"/>
+    </p:bldLst>
   </p:timing>
 </p:sld>
 </file>
@@ -8423,7 +11261,15 @@
                 </a14:m>
                 <a:r>
                   <a:rPr lang="en-CA" dirty="0" smtClean="0"/>
-                  <a:t> &lt; 0, class=0</a:t>
+                  <a:t> </a:t>
+                </a:r>
+                <a:r>
+                  <a:rPr lang="en-CA" dirty="0" smtClean="0"/>
+                  <a:t>&lt;= </a:t>
+                </a:r>
+                <a:r>
+                  <a:rPr lang="en-CA" dirty="0" smtClean="0"/>
+                  <a:t>0, class=0</a:t>
                 </a:r>
               </a:p>
               <a:p>
@@ -8446,13 +11292,8 @@
               <a:p>
                 <a:r>
                   <a:rPr lang="en-CA" dirty="0" smtClean="0"/>
-                  <a:t>Perceptron learning </a:t>
+                  <a:t>Perceptron learning rule (mistake-driven algorithm):</a:t>
                 </a:r>
-                <a:r>
-                  <a:rPr lang="en-CA" dirty="0" smtClean="0"/>
-                  <a:t>rule (mistake-driven algorithm):</a:t>
-                </a:r>
-                <a:endParaRPr lang="en-CA" dirty="0" smtClean="0"/>
               </a:p>
               <a:p>
                 <a:endParaRPr lang="en-CA" dirty="0"/>
@@ -8543,9 +11384,382 @@
   <p:timing>
     <p:tnLst>
       <p:par>
-        <p:cTn id="1" dur="indefinite" restart="never" nodeType="tmRoot"/>
+        <p:cTn id="1" dur="indefinite" restart="never" nodeType="tmRoot">
+          <p:childTnLst>
+            <p:seq concurrent="1" nextAc="seek">
+              <p:cTn id="2" dur="indefinite" nodeType="mainSeq">
+                <p:childTnLst>
+                  <p:par>
+                    <p:cTn id="3" fill="hold">
+                      <p:stCondLst>
+                        <p:cond delay="indefinite"/>
+                      </p:stCondLst>
+                      <p:childTnLst>
+                        <p:par>
+                          <p:cTn id="4" fill="hold">
+                            <p:stCondLst>
+                              <p:cond delay="0"/>
+                            </p:stCondLst>
+                            <p:childTnLst>
+                              <p:par>
+                                <p:cTn id="5" presetID="1" presetClass="entr" presetSubtype="0" fill="hold" grpId="0" nodeType="clickEffect">
+                                  <p:stCondLst>
+                                    <p:cond delay="0"/>
+                                  </p:stCondLst>
+                                  <p:childTnLst>
+                                    <p:set>
+                                      <p:cBhvr>
+                                        <p:cTn id="6" dur="1" fill="hold">
+                                          <p:stCondLst>
+                                            <p:cond delay="0"/>
+                                          </p:stCondLst>
+                                        </p:cTn>
+                                        <p:tgtEl>
+                                          <p:spTgt spid="3">
+                                            <p:txEl>
+                                              <p:pRg st="0" end="0"/>
+                                            </p:txEl>
+                                          </p:spTgt>
+                                        </p:tgtEl>
+                                        <p:attrNameLst>
+                                          <p:attrName>style.visibility</p:attrName>
+                                        </p:attrNameLst>
+                                      </p:cBhvr>
+                                      <p:to>
+                                        <p:strVal val="visible"/>
+                                      </p:to>
+                                    </p:set>
+                                  </p:childTnLst>
+                                </p:cTn>
+                              </p:par>
+                              <p:par>
+                                <p:cTn id="7" presetID="1" presetClass="entr" presetSubtype="0" fill="hold" grpId="0" nodeType="withEffect">
+                                  <p:stCondLst>
+                                    <p:cond delay="0"/>
+                                  </p:stCondLst>
+                                  <p:childTnLst>
+                                    <p:set>
+                                      <p:cBhvr>
+                                        <p:cTn id="8" dur="1" fill="hold">
+                                          <p:stCondLst>
+                                            <p:cond delay="0"/>
+                                          </p:stCondLst>
+                                        </p:cTn>
+                                        <p:tgtEl>
+                                          <p:spTgt spid="3">
+                                            <p:txEl>
+                                              <p:pRg st="1" end="1"/>
+                                            </p:txEl>
+                                          </p:spTgt>
+                                        </p:tgtEl>
+                                        <p:attrNameLst>
+                                          <p:attrName>style.visibility</p:attrName>
+                                        </p:attrNameLst>
+                                      </p:cBhvr>
+                                      <p:to>
+                                        <p:strVal val="visible"/>
+                                      </p:to>
+                                    </p:set>
+                                  </p:childTnLst>
+                                </p:cTn>
+                              </p:par>
+                              <p:par>
+                                <p:cTn id="9" presetID="1" presetClass="entr" presetSubtype="0" fill="hold" grpId="0" nodeType="withEffect">
+                                  <p:stCondLst>
+                                    <p:cond delay="0"/>
+                                  </p:stCondLst>
+                                  <p:childTnLst>
+                                    <p:set>
+                                      <p:cBhvr>
+                                        <p:cTn id="10" dur="1" fill="hold">
+                                          <p:stCondLst>
+                                            <p:cond delay="0"/>
+                                          </p:stCondLst>
+                                        </p:cTn>
+                                        <p:tgtEl>
+                                          <p:spTgt spid="3">
+                                            <p:txEl>
+                                              <p:pRg st="2" end="2"/>
+                                            </p:txEl>
+                                          </p:spTgt>
+                                        </p:tgtEl>
+                                        <p:attrNameLst>
+                                          <p:attrName>style.visibility</p:attrName>
+                                        </p:attrNameLst>
+                                      </p:cBhvr>
+                                      <p:to>
+                                        <p:strVal val="visible"/>
+                                      </p:to>
+                                    </p:set>
+                                  </p:childTnLst>
+                                </p:cTn>
+                              </p:par>
+                            </p:childTnLst>
+                          </p:cTn>
+                        </p:par>
+                      </p:childTnLst>
+                    </p:cTn>
+                  </p:par>
+                  <p:par>
+                    <p:cTn id="11" fill="hold">
+                      <p:stCondLst>
+                        <p:cond delay="indefinite"/>
+                      </p:stCondLst>
+                      <p:childTnLst>
+                        <p:par>
+                          <p:cTn id="12" fill="hold">
+                            <p:stCondLst>
+                              <p:cond delay="0"/>
+                            </p:stCondLst>
+                            <p:childTnLst>
+                              <p:par>
+                                <p:cTn id="13" presetID="1" presetClass="entr" presetSubtype="0" fill="hold" grpId="0" nodeType="clickEffect">
+                                  <p:stCondLst>
+                                    <p:cond delay="0"/>
+                                  </p:stCondLst>
+                                  <p:childTnLst>
+                                    <p:set>
+                                      <p:cBhvr>
+                                        <p:cTn id="14" dur="1" fill="hold">
+                                          <p:stCondLst>
+                                            <p:cond delay="0"/>
+                                          </p:stCondLst>
+                                        </p:cTn>
+                                        <p:tgtEl>
+                                          <p:spTgt spid="3">
+                                            <p:txEl>
+                                              <p:pRg st="3" end="3"/>
+                                            </p:txEl>
+                                          </p:spTgt>
+                                        </p:tgtEl>
+                                        <p:attrNameLst>
+                                          <p:attrName>style.visibility</p:attrName>
+                                        </p:attrNameLst>
+                                      </p:cBhvr>
+                                      <p:to>
+                                        <p:strVal val="visible"/>
+                                      </p:to>
+                                    </p:set>
+                                  </p:childTnLst>
+                                </p:cTn>
+                              </p:par>
+                              <p:par>
+                                <p:cTn id="15" presetID="1" presetClass="entr" presetSubtype="0" fill="hold" grpId="0" nodeType="withEffect">
+                                  <p:stCondLst>
+                                    <p:cond delay="0"/>
+                                  </p:stCondLst>
+                                  <p:childTnLst>
+                                    <p:set>
+                                      <p:cBhvr>
+                                        <p:cTn id="16" dur="1" fill="hold">
+                                          <p:stCondLst>
+                                            <p:cond delay="0"/>
+                                          </p:stCondLst>
+                                        </p:cTn>
+                                        <p:tgtEl>
+                                          <p:spTgt spid="3">
+                                            <p:txEl>
+                                              <p:pRg st="4" end="4"/>
+                                            </p:txEl>
+                                          </p:spTgt>
+                                        </p:tgtEl>
+                                        <p:attrNameLst>
+                                          <p:attrName>style.visibility</p:attrName>
+                                        </p:attrNameLst>
+                                      </p:cBhvr>
+                                      <p:to>
+                                        <p:strVal val="visible"/>
+                                      </p:to>
+                                    </p:set>
+                                  </p:childTnLst>
+                                </p:cTn>
+                              </p:par>
+                              <p:par>
+                                <p:cTn id="17" presetID="1" presetClass="entr" presetSubtype="0" fill="hold" grpId="0" nodeType="withEffect">
+                                  <p:stCondLst>
+                                    <p:cond delay="0"/>
+                                  </p:stCondLst>
+                                  <p:childTnLst>
+                                    <p:set>
+                                      <p:cBhvr>
+                                        <p:cTn id="18" dur="1" fill="hold">
+                                          <p:stCondLst>
+                                            <p:cond delay="0"/>
+                                          </p:stCondLst>
+                                        </p:cTn>
+                                        <p:tgtEl>
+                                          <p:spTgt spid="3">
+                                            <p:txEl>
+                                              <p:pRg st="5" end="5"/>
+                                            </p:txEl>
+                                          </p:spTgt>
+                                        </p:tgtEl>
+                                        <p:attrNameLst>
+                                          <p:attrName>style.visibility</p:attrName>
+                                        </p:attrNameLst>
+                                      </p:cBhvr>
+                                      <p:to>
+                                        <p:strVal val="visible"/>
+                                      </p:to>
+                                    </p:set>
+                                  </p:childTnLst>
+                                </p:cTn>
+                              </p:par>
+                            </p:childTnLst>
+                          </p:cTn>
+                        </p:par>
+                      </p:childTnLst>
+                    </p:cTn>
+                  </p:par>
+                  <p:par>
+                    <p:cTn id="19" fill="hold">
+                      <p:stCondLst>
+                        <p:cond delay="indefinite"/>
+                      </p:stCondLst>
+                      <p:childTnLst>
+                        <p:par>
+                          <p:cTn id="20" fill="hold">
+                            <p:stCondLst>
+                              <p:cond delay="0"/>
+                            </p:stCondLst>
+                            <p:childTnLst>
+                              <p:par>
+                                <p:cTn id="21" presetID="1" presetClass="entr" presetSubtype="0" fill="hold" grpId="0" nodeType="clickEffect">
+                                  <p:stCondLst>
+                                    <p:cond delay="0"/>
+                                  </p:stCondLst>
+                                  <p:childTnLst>
+                                    <p:set>
+                                      <p:cBhvr>
+                                        <p:cTn id="22" dur="1" fill="hold">
+                                          <p:stCondLst>
+                                            <p:cond delay="0"/>
+                                          </p:stCondLst>
+                                        </p:cTn>
+                                        <p:tgtEl>
+                                          <p:spTgt spid="3">
+                                            <p:txEl>
+                                              <p:pRg st="6" end="6"/>
+                                            </p:txEl>
+                                          </p:spTgt>
+                                        </p:tgtEl>
+                                        <p:attrNameLst>
+                                          <p:attrName>style.visibility</p:attrName>
+                                        </p:attrNameLst>
+                                      </p:cBhvr>
+                                      <p:to>
+                                        <p:strVal val="visible"/>
+                                      </p:to>
+                                    </p:set>
+                                  </p:childTnLst>
+                                </p:cTn>
+                              </p:par>
+                            </p:childTnLst>
+                          </p:cTn>
+                        </p:par>
+                      </p:childTnLst>
+                    </p:cTn>
+                  </p:par>
+                  <p:par>
+                    <p:cTn id="23" fill="hold">
+                      <p:stCondLst>
+                        <p:cond delay="indefinite"/>
+                      </p:stCondLst>
+                      <p:childTnLst>
+                        <p:par>
+                          <p:cTn id="24" fill="hold">
+                            <p:stCondLst>
+                              <p:cond delay="0"/>
+                            </p:stCondLst>
+                            <p:childTnLst>
+                              <p:par>
+                                <p:cTn id="25" presetID="1" presetClass="entr" presetSubtype="0" fill="hold" grpId="0" nodeType="clickEffect">
+                                  <p:stCondLst>
+                                    <p:cond delay="0"/>
+                                  </p:stCondLst>
+                                  <p:childTnLst>
+                                    <p:set>
+                                      <p:cBhvr>
+                                        <p:cTn id="26" dur="1" fill="hold">
+                                          <p:stCondLst>
+                                            <p:cond delay="0"/>
+                                          </p:stCondLst>
+                                        </p:cTn>
+                                        <p:tgtEl>
+                                          <p:spTgt spid="3">
+                                            <p:txEl>
+                                              <p:pRg st="7" end="7"/>
+                                            </p:txEl>
+                                          </p:spTgt>
+                                        </p:tgtEl>
+                                        <p:attrNameLst>
+                                          <p:attrName>style.visibility</p:attrName>
+                                        </p:attrNameLst>
+                                      </p:cBhvr>
+                                      <p:to>
+                                        <p:strVal val="visible"/>
+                                      </p:to>
+                                    </p:set>
+                                  </p:childTnLst>
+                                </p:cTn>
+                              </p:par>
+                              <p:par>
+                                <p:cTn id="27" presetID="1" presetClass="entr" presetSubtype="0" fill="hold" nodeType="withEffect">
+                                  <p:stCondLst>
+                                    <p:cond delay="0"/>
+                                  </p:stCondLst>
+                                  <p:childTnLst>
+                                    <p:set>
+                                      <p:cBhvr>
+                                        <p:cTn id="28" dur="1" fill="hold">
+                                          <p:stCondLst>
+                                            <p:cond delay="0"/>
+                                          </p:stCondLst>
+                                        </p:cTn>
+                                        <p:tgtEl>
+                                          <p:spTgt spid="5"/>
+                                        </p:tgtEl>
+                                        <p:attrNameLst>
+                                          <p:attrName>style.visibility</p:attrName>
+                                        </p:attrNameLst>
+                                      </p:cBhvr>
+                                      <p:to>
+                                        <p:strVal val="visible"/>
+                                      </p:to>
+                                    </p:set>
+                                  </p:childTnLst>
+                                </p:cTn>
+                              </p:par>
+                            </p:childTnLst>
+                          </p:cTn>
+                        </p:par>
+                      </p:childTnLst>
+                    </p:cTn>
+                  </p:par>
+                </p:childTnLst>
+              </p:cTn>
+              <p:prevCondLst>
+                <p:cond evt="onPrev" delay="0">
+                  <p:tgtEl>
+                    <p:sldTgt/>
+                  </p:tgtEl>
+                </p:cond>
+              </p:prevCondLst>
+              <p:nextCondLst>
+                <p:cond evt="onNext" delay="0">
+                  <p:tgtEl>
+                    <p:sldTgt/>
+                  </p:tgtEl>
+                </p:cond>
+              </p:nextCondLst>
+            </p:seq>
+          </p:childTnLst>
+        </p:cTn>
       </p:par>
     </p:tnLst>
+    <p:bldLst>
+      <p:bldP spid="3" grpId="0" build="p"/>
+    </p:bldLst>
   </p:timing>
 </p:sld>
 </file>
@@ -8567,8 +11781,8 @@
           <a:chExt cx="0" cy="0"/>
         </a:xfrm>
       </p:grpSpPr>
-      <mc:AlternateContent xmlns:mc="http://schemas.openxmlformats.org/markup-compatibility/2006">
-        <mc:Choice xmlns:a14="http://schemas.microsoft.com/office/drawing/2010/main" Requires="a14">
+      <mc:AlternateContent xmlns:mc="http://schemas.openxmlformats.org/markup-compatibility/2006" xmlns:a14="http://schemas.microsoft.com/office/drawing/2010/main">
+        <mc:Choice Requires="a14">
           <p:sp>
             <p:nvSpPr>
               <p:cNvPr id="3" name="Content Placeholder 2"/>
@@ -8602,13 +11816,8 @@
                 </a:r>
                 <a:r>
                   <a:rPr lang="en-CA" dirty="0" smtClean="0"/>
-                  <a:t>, belonging to the first class (&gt;0), has </a:t>
+                  <a:t>, belonging to the first class, has been misclassified:</a:t>
                 </a:r>
-                <a:r>
-                  <a:rPr lang="en-CA" dirty="0" smtClean="0"/>
-                  <a:t>been misclassified:</a:t>
-                </a:r>
-                <a:endParaRPr lang="en-CA" dirty="0" smtClean="0"/>
               </a:p>
               <a:p>
                 <a14:m>
@@ -8931,7 +12140,7 @@
             </p:txBody>
           </p:sp>
         </mc:Choice>
-        <mc:Fallback>
+        <mc:Fallback xmlns="">
           <p:sp>
             <p:nvSpPr>
               <p:cNvPr id="3" name="Content Placeholder 2"/>
@@ -9010,9 +12219,409 @@
   <p:timing>
     <p:tnLst>
       <p:par>
-        <p:cTn id="1" dur="indefinite" restart="never" nodeType="tmRoot"/>
+        <p:cTn id="1" dur="indefinite" restart="never" nodeType="tmRoot">
+          <p:childTnLst>
+            <p:seq concurrent="1" nextAc="seek">
+              <p:cTn id="2" dur="indefinite" nodeType="mainSeq">
+                <p:childTnLst>
+                  <p:par>
+                    <p:cTn id="3" fill="hold">
+                      <p:stCondLst>
+                        <p:cond delay="indefinite"/>
+                      </p:stCondLst>
+                      <p:childTnLst>
+                        <p:par>
+                          <p:cTn id="4" fill="hold">
+                            <p:stCondLst>
+                              <p:cond delay="0"/>
+                            </p:stCondLst>
+                            <p:childTnLst>
+                              <p:par>
+                                <p:cTn id="5" presetID="1" presetClass="entr" presetSubtype="0" fill="hold" grpId="0" nodeType="clickEffect">
+                                  <p:stCondLst>
+                                    <p:cond delay="0"/>
+                                  </p:stCondLst>
+                                  <p:childTnLst>
+                                    <p:set>
+                                      <p:cBhvr>
+                                        <p:cTn id="6" dur="1" fill="hold">
+                                          <p:stCondLst>
+                                            <p:cond delay="0"/>
+                                          </p:stCondLst>
+                                        </p:cTn>
+                                        <p:tgtEl>
+                                          <p:spTgt spid="3">
+                                            <p:txEl>
+                                              <p:pRg st="0" end="0"/>
+                                            </p:txEl>
+                                          </p:spTgt>
+                                        </p:tgtEl>
+                                        <p:attrNameLst>
+                                          <p:attrName>style.visibility</p:attrName>
+                                        </p:attrNameLst>
+                                      </p:cBhvr>
+                                      <p:to>
+                                        <p:strVal val="visible"/>
+                                      </p:to>
+                                    </p:set>
+                                  </p:childTnLst>
+                                </p:cTn>
+                              </p:par>
+                            </p:childTnLst>
+                          </p:cTn>
+                        </p:par>
+                      </p:childTnLst>
+                    </p:cTn>
+                  </p:par>
+                  <p:par>
+                    <p:cTn id="7" fill="hold">
+                      <p:stCondLst>
+                        <p:cond delay="indefinite"/>
+                      </p:stCondLst>
+                      <p:childTnLst>
+                        <p:par>
+                          <p:cTn id="8" fill="hold">
+                            <p:stCondLst>
+                              <p:cond delay="0"/>
+                            </p:stCondLst>
+                            <p:childTnLst>
+                              <p:par>
+                                <p:cTn id="9" presetID="1" presetClass="entr" presetSubtype="0" fill="hold" grpId="0" nodeType="clickEffect">
+                                  <p:stCondLst>
+                                    <p:cond delay="0"/>
+                                  </p:stCondLst>
+                                  <p:childTnLst>
+                                    <p:set>
+                                      <p:cBhvr>
+                                        <p:cTn id="10" dur="1" fill="hold">
+                                          <p:stCondLst>
+                                            <p:cond delay="0"/>
+                                          </p:stCondLst>
+                                        </p:cTn>
+                                        <p:tgtEl>
+                                          <p:spTgt spid="3">
+                                            <p:txEl>
+                                              <p:pRg st="1" end="1"/>
+                                            </p:txEl>
+                                          </p:spTgt>
+                                        </p:tgtEl>
+                                        <p:attrNameLst>
+                                          <p:attrName>style.visibility</p:attrName>
+                                        </p:attrNameLst>
+                                      </p:cBhvr>
+                                      <p:to>
+                                        <p:strVal val="visible"/>
+                                      </p:to>
+                                    </p:set>
+                                  </p:childTnLst>
+                                </p:cTn>
+                              </p:par>
+                            </p:childTnLst>
+                          </p:cTn>
+                        </p:par>
+                      </p:childTnLst>
+                    </p:cTn>
+                  </p:par>
+                  <p:par>
+                    <p:cTn id="11" fill="hold">
+                      <p:stCondLst>
+                        <p:cond delay="indefinite"/>
+                      </p:stCondLst>
+                      <p:childTnLst>
+                        <p:par>
+                          <p:cTn id="12" fill="hold">
+                            <p:stCondLst>
+                              <p:cond delay="0"/>
+                            </p:stCondLst>
+                            <p:childTnLst>
+                              <p:par>
+                                <p:cTn id="13" presetID="1" presetClass="entr" presetSubtype="0" fill="hold" grpId="0" nodeType="clickEffect">
+                                  <p:stCondLst>
+                                    <p:cond delay="0"/>
+                                  </p:stCondLst>
+                                  <p:childTnLst>
+                                    <p:set>
+                                      <p:cBhvr>
+                                        <p:cTn id="14" dur="1" fill="hold">
+                                          <p:stCondLst>
+                                            <p:cond delay="0"/>
+                                          </p:stCondLst>
+                                        </p:cTn>
+                                        <p:tgtEl>
+                                          <p:spTgt spid="3">
+                                            <p:txEl>
+                                              <p:pRg st="2" end="2"/>
+                                            </p:txEl>
+                                          </p:spTgt>
+                                        </p:tgtEl>
+                                        <p:attrNameLst>
+                                          <p:attrName>style.visibility</p:attrName>
+                                        </p:attrNameLst>
+                                      </p:cBhvr>
+                                      <p:to>
+                                        <p:strVal val="visible"/>
+                                      </p:to>
+                                    </p:set>
+                                  </p:childTnLst>
+                                </p:cTn>
+                              </p:par>
+                            </p:childTnLst>
+                          </p:cTn>
+                        </p:par>
+                      </p:childTnLst>
+                    </p:cTn>
+                  </p:par>
+                  <p:par>
+                    <p:cTn id="15" fill="hold">
+                      <p:stCondLst>
+                        <p:cond delay="indefinite"/>
+                      </p:stCondLst>
+                      <p:childTnLst>
+                        <p:par>
+                          <p:cTn id="16" fill="hold">
+                            <p:stCondLst>
+                              <p:cond delay="0"/>
+                            </p:stCondLst>
+                            <p:childTnLst>
+                              <p:par>
+                                <p:cTn id="17" presetID="1" presetClass="entr" presetSubtype="0" fill="hold" grpId="0" nodeType="clickEffect">
+                                  <p:stCondLst>
+                                    <p:cond delay="0"/>
+                                  </p:stCondLst>
+                                  <p:childTnLst>
+                                    <p:set>
+                                      <p:cBhvr>
+                                        <p:cTn id="18" dur="1" fill="hold">
+                                          <p:stCondLst>
+                                            <p:cond delay="0"/>
+                                          </p:stCondLst>
+                                        </p:cTn>
+                                        <p:tgtEl>
+                                          <p:spTgt spid="3">
+                                            <p:txEl>
+                                              <p:pRg st="3" end="3"/>
+                                            </p:txEl>
+                                          </p:spTgt>
+                                        </p:tgtEl>
+                                        <p:attrNameLst>
+                                          <p:attrName>style.visibility</p:attrName>
+                                        </p:attrNameLst>
+                                      </p:cBhvr>
+                                      <p:to>
+                                        <p:strVal val="visible"/>
+                                      </p:to>
+                                    </p:set>
+                                  </p:childTnLst>
+                                </p:cTn>
+                              </p:par>
+                            </p:childTnLst>
+                          </p:cTn>
+                        </p:par>
+                      </p:childTnLst>
+                    </p:cTn>
+                  </p:par>
+                  <p:par>
+                    <p:cTn id="19" fill="hold">
+                      <p:stCondLst>
+                        <p:cond delay="indefinite"/>
+                      </p:stCondLst>
+                      <p:childTnLst>
+                        <p:par>
+                          <p:cTn id="20" fill="hold">
+                            <p:stCondLst>
+                              <p:cond delay="0"/>
+                            </p:stCondLst>
+                            <p:childTnLst>
+                              <p:par>
+                                <p:cTn id="21" presetID="1" presetClass="entr" presetSubtype="0" fill="hold" grpId="0" nodeType="clickEffect">
+                                  <p:stCondLst>
+                                    <p:cond delay="0"/>
+                                  </p:stCondLst>
+                                  <p:childTnLst>
+                                    <p:set>
+                                      <p:cBhvr>
+                                        <p:cTn id="22" dur="1" fill="hold">
+                                          <p:stCondLst>
+                                            <p:cond delay="0"/>
+                                          </p:stCondLst>
+                                        </p:cTn>
+                                        <p:tgtEl>
+                                          <p:spTgt spid="3">
+                                            <p:txEl>
+                                              <p:pRg st="4" end="4"/>
+                                            </p:txEl>
+                                          </p:spTgt>
+                                        </p:tgtEl>
+                                        <p:attrNameLst>
+                                          <p:attrName>style.visibility</p:attrName>
+                                        </p:attrNameLst>
+                                      </p:cBhvr>
+                                      <p:to>
+                                        <p:strVal val="visible"/>
+                                      </p:to>
+                                    </p:set>
+                                  </p:childTnLst>
+                                </p:cTn>
+                              </p:par>
+                              <p:par>
+                                <p:cTn id="23" presetID="1" presetClass="entr" presetSubtype="0" fill="hold" grpId="0" nodeType="withEffect">
+                                  <p:stCondLst>
+                                    <p:cond delay="0"/>
+                                  </p:stCondLst>
+                                  <p:childTnLst>
+                                    <p:set>
+                                      <p:cBhvr>
+                                        <p:cTn id="24" dur="1" fill="hold">
+                                          <p:stCondLst>
+                                            <p:cond delay="0"/>
+                                          </p:stCondLst>
+                                        </p:cTn>
+                                        <p:tgtEl>
+                                          <p:spTgt spid="3">
+                                            <p:txEl>
+                                              <p:pRg st="5" end="5"/>
+                                            </p:txEl>
+                                          </p:spTgt>
+                                        </p:tgtEl>
+                                        <p:attrNameLst>
+                                          <p:attrName>style.visibility</p:attrName>
+                                        </p:attrNameLst>
+                                      </p:cBhvr>
+                                      <p:to>
+                                        <p:strVal val="visible"/>
+                                      </p:to>
+                                    </p:set>
+                                  </p:childTnLst>
+                                </p:cTn>
+                              </p:par>
+                            </p:childTnLst>
+                          </p:cTn>
+                        </p:par>
+                      </p:childTnLst>
+                    </p:cTn>
+                  </p:par>
+                  <p:par>
+                    <p:cTn id="25" fill="hold">
+                      <p:stCondLst>
+                        <p:cond delay="indefinite"/>
+                      </p:stCondLst>
+                      <p:childTnLst>
+                        <p:par>
+                          <p:cTn id="26" fill="hold">
+                            <p:stCondLst>
+                              <p:cond delay="0"/>
+                            </p:stCondLst>
+                            <p:childTnLst>
+                              <p:par>
+                                <p:cTn id="27" presetID="1" presetClass="entr" presetSubtype="0" fill="hold" grpId="0" nodeType="clickEffect">
+                                  <p:stCondLst>
+                                    <p:cond delay="0"/>
+                                  </p:stCondLst>
+                                  <p:childTnLst>
+                                    <p:set>
+                                      <p:cBhvr>
+                                        <p:cTn id="28" dur="1" fill="hold">
+                                          <p:stCondLst>
+                                            <p:cond delay="0"/>
+                                          </p:stCondLst>
+                                        </p:cTn>
+                                        <p:tgtEl>
+                                          <p:spTgt spid="3">
+                                            <p:txEl>
+                                              <p:pRg st="6" end="6"/>
+                                            </p:txEl>
+                                          </p:spTgt>
+                                        </p:tgtEl>
+                                        <p:attrNameLst>
+                                          <p:attrName>style.visibility</p:attrName>
+                                        </p:attrNameLst>
+                                      </p:cBhvr>
+                                      <p:to>
+                                        <p:strVal val="visible"/>
+                                      </p:to>
+                                    </p:set>
+                                  </p:childTnLst>
+                                </p:cTn>
+                              </p:par>
+                            </p:childTnLst>
+                          </p:cTn>
+                        </p:par>
+                      </p:childTnLst>
+                    </p:cTn>
+                  </p:par>
+                  <p:par>
+                    <p:cTn id="29" fill="hold">
+                      <p:stCondLst>
+                        <p:cond delay="indefinite"/>
+                      </p:stCondLst>
+                      <p:childTnLst>
+                        <p:par>
+                          <p:cTn id="30" fill="hold">
+                            <p:stCondLst>
+                              <p:cond delay="0"/>
+                            </p:stCondLst>
+                            <p:childTnLst>
+                              <p:par>
+                                <p:cTn id="31" presetID="1" presetClass="entr" presetSubtype="0" fill="hold" grpId="0" nodeType="clickEffect">
+                                  <p:stCondLst>
+                                    <p:cond delay="0"/>
+                                  </p:stCondLst>
+                                  <p:childTnLst>
+                                    <p:set>
+                                      <p:cBhvr>
+                                        <p:cTn id="32" dur="1" fill="hold">
+                                          <p:stCondLst>
+                                            <p:cond delay="0"/>
+                                          </p:stCondLst>
+                                        </p:cTn>
+                                        <p:tgtEl>
+                                          <p:spTgt spid="3">
+                                            <p:txEl>
+                                              <p:pRg st="7" end="7"/>
+                                            </p:txEl>
+                                          </p:spTgt>
+                                        </p:tgtEl>
+                                        <p:attrNameLst>
+                                          <p:attrName>style.visibility</p:attrName>
+                                        </p:attrNameLst>
+                                      </p:cBhvr>
+                                      <p:to>
+                                        <p:strVal val="visible"/>
+                                      </p:to>
+                                    </p:set>
+                                  </p:childTnLst>
+                                </p:cTn>
+                              </p:par>
+                            </p:childTnLst>
+                          </p:cTn>
+                        </p:par>
+                      </p:childTnLst>
+                    </p:cTn>
+                  </p:par>
+                </p:childTnLst>
+              </p:cTn>
+              <p:prevCondLst>
+                <p:cond evt="onPrev" delay="0">
+                  <p:tgtEl>
+                    <p:sldTgt/>
+                  </p:tgtEl>
+                </p:cond>
+              </p:prevCondLst>
+              <p:nextCondLst>
+                <p:cond evt="onNext" delay="0">
+                  <p:tgtEl>
+                    <p:sldTgt/>
+                  </p:tgtEl>
+                </p:cond>
+              </p:nextCondLst>
+            </p:seq>
+          </p:childTnLst>
+        </p:cTn>
       </p:par>
     </p:tnLst>
+    <p:bldLst>
+      <p:bldP spid="3" grpId="0" build="p"/>
+    </p:bldLst>
   </p:timing>
 </p:sld>
 </file>
@@ -9365,9 +12974,178 @@
   <p:timing>
     <p:tnLst>
       <p:par>
-        <p:cTn id="1" dur="indefinite" restart="never" nodeType="tmRoot"/>
+        <p:cTn id="1" dur="indefinite" restart="never" nodeType="tmRoot">
+          <p:childTnLst>
+            <p:seq concurrent="1" nextAc="seek">
+              <p:cTn id="2" dur="indefinite" nodeType="mainSeq">
+                <p:childTnLst>
+                  <p:par>
+                    <p:cTn id="3" fill="hold">
+                      <p:stCondLst>
+                        <p:cond delay="indefinite"/>
+                      </p:stCondLst>
+                      <p:childTnLst>
+                        <p:par>
+                          <p:cTn id="4" fill="hold">
+                            <p:stCondLst>
+                              <p:cond delay="0"/>
+                            </p:stCondLst>
+                            <p:childTnLst>
+                              <p:par>
+                                <p:cTn id="5" presetID="1" presetClass="entr" presetSubtype="0" fill="hold" grpId="0" nodeType="clickEffect">
+                                  <p:stCondLst>
+                                    <p:cond delay="0"/>
+                                  </p:stCondLst>
+                                  <p:childTnLst>
+                                    <p:set>
+                                      <p:cBhvr>
+                                        <p:cTn id="6" dur="1" fill="hold">
+                                          <p:stCondLst>
+                                            <p:cond delay="0"/>
+                                          </p:stCondLst>
+                                        </p:cTn>
+                                        <p:tgtEl>
+                                          <p:spTgt spid="3">
+                                            <p:txEl>
+                                              <p:pRg st="0" end="0"/>
+                                            </p:txEl>
+                                          </p:spTgt>
+                                        </p:tgtEl>
+                                        <p:attrNameLst>
+                                          <p:attrName>style.visibility</p:attrName>
+                                        </p:attrNameLst>
+                                      </p:cBhvr>
+                                      <p:to>
+                                        <p:strVal val="visible"/>
+                                      </p:to>
+                                    </p:set>
+                                  </p:childTnLst>
+                                </p:cTn>
+                              </p:par>
+                            </p:childTnLst>
+                          </p:cTn>
+                        </p:par>
+                      </p:childTnLst>
+                    </p:cTn>
+                  </p:par>
+                  <p:par>
+                    <p:cTn id="7" fill="hold">
+                      <p:stCondLst>
+                        <p:cond delay="indefinite"/>
+                      </p:stCondLst>
+                      <p:childTnLst>
+                        <p:par>
+                          <p:cTn id="8" fill="hold">
+                            <p:stCondLst>
+                              <p:cond delay="0"/>
+                            </p:stCondLst>
+                            <p:childTnLst>
+                              <p:par>
+                                <p:cTn id="9" presetID="1" presetClass="entr" presetSubtype="0" fill="hold" grpId="0" nodeType="clickEffect">
+                                  <p:stCondLst>
+                                    <p:cond delay="0"/>
+                                  </p:stCondLst>
+                                  <p:childTnLst>
+                                    <p:set>
+                                      <p:cBhvr>
+                                        <p:cTn id="10" dur="1" fill="hold">
+                                          <p:stCondLst>
+                                            <p:cond delay="0"/>
+                                          </p:stCondLst>
+                                        </p:cTn>
+                                        <p:tgtEl>
+                                          <p:spTgt spid="3">
+                                            <p:txEl>
+                                              <p:pRg st="1" end="1"/>
+                                            </p:txEl>
+                                          </p:spTgt>
+                                        </p:tgtEl>
+                                        <p:attrNameLst>
+                                          <p:attrName>style.visibility</p:attrName>
+                                        </p:attrNameLst>
+                                      </p:cBhvr>
+                                      <p:to>
+                                        <p:strVal val="visible"/>
+                                      </p:to>
+                                    </p:set>
+                                  </p:childTnLst>
+                                </p:cTn>
+                              </p:par>
+                            </p:childTnLst>
+                          </p:cTn>
+                        </p:par>
+                      </p:childTnLst>
+                    </p:cTn>
+                  </p:par>
+                  <p:par>
+                    <p:cTn id="11" fill="hold">
+                      <p:stCondLst>
+                        <p:cond delay="indefinite"/>
+                      </p:stCondLst>
+                      <p:childTnLst>
+                        <p:par>
+                          <p:cTn id="12" fill="hold">
+                            <p:stCondLst>
+                              <p:cond delay="0"/>
+                            </p:stCondLst>
+                            <p:childTnLst>
+                              <p:par>
+                                <p:cTn id="13" presetID="1" presetClass="entr" presetSubtype="0" fill="hold" nodeType="clickEffect">
+                                  <p:stCondLst>
+                                    <p:cond delay="0"/>
+                                  </p:stCondLst>
+                                  <p:childTnLst>
+                                    <p:set>
+                                      <p:cBhvr>
+                                        <p:cTn id="14" dur="1" fill="hold">
+                                          <p:stCondLst>
+                                            <p:cond delay="0"/>
+                                          </p:stCondLst>
+                                        </p:cTn>
+                                        <p:tgtEl>
+                                          <p:spTgt spid="5"/>
+                                        </p:tgtEl>
+                                        <p:attrNameLst>
+                                          <p:attrName>style.visibility</p:attrName>
+                                        </p:attrNameLst>
+                                      </p:cBhvr>
+                                      <p:to>
+                                        <p:strVal val="visible"/>
+                                      </p:to>
+                                    </p:set>
+                                  </p:childTnLst>
+                                </p:cTn>
+                              </p:par>
+                            </p:childTnLst>
+                          </p:cTn>
+                        </p:par>
+                      </p:childTnLst>
+                    </p:cTn>
+                  </p:par>
+                </p:childTnLst>
+              </p:cTn>
+              <p:prevCondLst>
+                <p:cond evt="onPrev" delay="0">
+                  <p:tgtEl>
+                    <p:sldTgt/>
+                  </p:tgtEl>
+                </p:cond>
+              </p:prevCondLst>
+              <p:nextCondLst>
+                <p:cond evt="onNext" delay="0">
+                  <p:tgtEl>
+                    <p:sldTgt/>
+                  </p:tgtEl>
+                </p:cond>
+              </p:nextCondLst>
+            </p:seq>
+          </p:childTnLst>
+        </p:cTn>
       </p:par>
     </p:tnLst>
+    <p:bldLst>
+      <p:bldP spid="3" grpId="0" build="p"/>
+    </p:bldLst>
   </p:timing>
 </p:sld>
 </file>
@@ -9587,9 +13365,253 @@
   <p:timing>
     <p:tnLst>
       <p:par>
-        <p:cTn id="1" dur="indefinite" restart="never" nodeType="tmRoot"/>
+        <p:cTn id="1" dur="indefinite" restart="never" nodeType="tmRoot">
+          <p:childTnLst>
+            <p:seq concurrent="1" nextAc="seek">
+              <p:cTn id="2" dur="indefinite" nodeType="mainSeq">
+                <p:childTnLst>
+                  <p:par>
+                    <p:cTn id="3" fill="hold">
+                      <p:stCondLst>
+                        <p:cond delay="indefinite"/>
+                      </p:stCondLst>
+                      <p:childTnLst>
+                        <p:par>
+                          <p:cTn id="4" fill="hold">
+                            <p:stCondLst>
+                              <p:cond delay="0"/>
+                            </p:stCondLst>
+                            <p:childTnLst>
+                              <p:par>
+                                <p:cTn id="5" presetID="1" presetClass="entr" presetSubtype="0" fill="hold" grpId="0" nodeType="clickEffect">
+                                  <p:stCondLst>
+                                    <p:cond delay="0"/>
+                                  </p:stCondLst>
+                                  <p:childTnLst>
+                                    <p:set>
+                                      <p:cBhvr>
+                                        <p:cTn id="6" dur="1" fill="hold">
+                                          <p:stCondLst>
+                                            <p:cond delay="0"/>
+                                          </p:stCondLst>
+                                        </p:cTn>
+                                        <p:tgtEl>
+                                          <p:spTgt spid="6"/>
+                                        </p:tgtEl>
+                                        <p:attrNameLst>
+                                          <p:attrName>style.visibility</p:attrName>
+                                        </p:attrNameLst>
+                                      </p:cBhvr>
+                                      <p:to>
+                                        <p:strVal val="visible"/>
+                                      </p:to>
+                                    </p:set>
+                                  </p:childTnLst>
+                                </p:cTn>
+                              </p:par>
+                              <p:par>
+                                <p:cTn id="7" presetID="1" presetClass="entr" presetSubtype="0" fill="hold" nodeType="withEffect">
+                                  <p:stCondLst>
+                                    <p:cond delay="0"/>
+                                  </p:stCondLst>
+                                  <p:childTnLst>
+                                    <p:set>
+                                      <p:cBhvr>
+                                        <p:cTn id="8" dur="1" fill="hold">
+                                          <p:stCondLst>
+                                            <p:cond delay="0"/>
+                                          </p:stCondLst>
+                                        </p:cTn>
+                                        <p:tgtEl>
+                                          <p:spTgt spid="5"/>
+                                        </p:tgtEl>
+                                        <p:attrNameLst>
+                                          <p:attrName>style.visibility</p:attrName>
+                                        </p:attrNameLst>
+                                      </p:cBhvr>
+                                      <p:to>
+                                        <p:strVal val="visible"/>
+                                      </p:to>
+                                    </p:set>
+                                  </p:childTnLst>
+                                </p:cTn>
+                              </p:par>
+                            </p:childTnLst>
+                          </p:cTn>
+                        </p:par>
+                      </p:childTnLst>
+                    </p:cTn>
+                  </p:par>
+                  <p:par>
+                    <p:cTn id="9" fill="hold">
+                      <p:stCondLst>
+                        <p:cond delay="indefinite"/>
+                      </p:stCondLst>
+                      <p:childTnLst>
+                        <p:par>
+                          <p:cTn id="10" fill="hold">
+                            <p:stCondLst>
+                              <p:cond delay="0"/>
+                            </p:stCondLst>
+                            <p:childTnLst>
+                              <p:par>
+                                <p:cTn id="11" presetID="1" presetClass="entr" presetSubtype="0" fill="hold" grpId="0" nodeType="clickEffect">
+                                  <p:stCondLst>
+                                    <p:cond delay="0"/>
+                                  </p:stCondLst>
+                                  <p:childTnLst>
+                                    <p:set>
+                                      <p:cBhvr>
+                                        <p:cTn id="12" dur="1" fill="hold">
+                                          <p:stCondLst>
+                                            <p:cond delay="0"/>
+                                          </p:stCondLst>
+                                        </p:cTn>
+                                        <p:tgtEl>
+                                          <p:spTgt spid="7"/>
+                                        </p:tgtEl>
+                                        <p:attrNameLst>
+                                          <p:attrName>style.visibility</p:attrName>
+                                        </p:attrNameLst>
+                                      </p:cBhvr>
+                                      <p:to>
+                                        <p:strVal val="visible"/>
+                                      </p:to>
+                                    </p:set>
+                                  </p:childTnLst>
+                                </p:cTn>
+                              </p:par>
+                              <p:par>
+                                <p:cTn id="13" presetID="1" presetClass="entr" presetSubtype="0" fill="hold" nodeType="withEffect">
+                                  <p:stCondLst>
+                                    <p:cond delay="0"/>
+                                  </p:stCondLst>
+                                  <p:childTnLst>
+                                    <p:set>
+                                      <p:cBhvr>
+                                        <p:cTn id="14" dur="1" fill="hold">
+                                          <p:stCondLst>
+                                            <p:cond delay="0"/>
+                                          </p:stCondLst>
+                                        </p:cTn>
+                                        <p:tgtEl>
+                                          <p:spTgt spid="4"/>
+                                        </p:tgtEl>
+                                        <p:attrNameLst>
+                                          <p:attrName>style.visibility</p:attrName>
+                                        </p:attrNameLst>
+                                      </p:cBhvr>
+                                      <p:to>
+                                        <p:strVal val="visible"/>
+                                      </p:to>
+                                    </p:set>
+                                  </p:childTnLst>
+                                </p:cTn>
+                              </p:par>
+                            </p:childTnLst>
+                          </p:cTn>
+                        </p:par>
+                      </p:childTnLst>
+                    </p:cTn>
+                  </p:par>
+                  <p:par>
+                    <p:cTn id="15" fill="hold">
+                      <p:stCondLst>
+                        <p:cond delay="indefinite"/>
+                      </p:stCondLst>
+                      <p:childTnLst>
+                        <p:par>
+                          <p:cTn id="16" fill="hold">
+                            <p:stCondLst>
+                              <p:cond delay="0"/>
+                            </p:stCondLst>
+                            <p:childTnLst>
+                              <p:par>
+                                <p:cTn id="17" presetID="1" presetClass="entr" presetSubtype="0" fill="hold" grpId="0" nodeType="clickEffect">
+                                  <p:stCondLst>
+                                    <p:cond delay="0"/>
+                                  </p:stCondLst>
+                                  <p:childTnLst>
+                                    <p:set>
+                                      <p:cBhvr>
+                                        <p:cTn id="18" dur="1" fill="hold">
+                                          <p:stCondLst>
+                                            <p:cond delay="0"/>
+                                          </p:stCondLst>
+                                        </p:cTn>
+                                        <p:tgtEl>
+                                          <p:spTgt spid="9"/>
+                                        </p:tgtEl>
+                                        <p:attrNameLst>
+                                          <p:attrName>style.visibility</p:attrName>
+                                        </p:attrNameLst>
+                                      </p:cBhvr>
+                                      <p:to>
+                                        <p:strVal val="visible"/>
+                                      </p:to>
+                                    </p:set>
+                                  </p:childTnLst>
+                                </p:cTn>
+                              </p:par>
+                              <p:par>
+                                <p:cTn id="19" presetID="1" presetClass="entr" presetSubtype="0" fill="hold" nodeType="withEffect">
+                                  <p:stCondLst>
+                                    <p:cond delay="0"/>
+                                  </p:stCondLst>
+                                  <p:childTnLst>
+                                    <p:set>
+                                      <p:cBhvr>
+                                        <p:cTn id="20" dur="1" fill="hold">
+                                          <p:stCondLst>
+                                            <p:cond delay="0"/>
+                                          </p:stCondLst>
+                                        </p:cTn>
+                                        <p:tgtEl>
+                                          <p:spTgt spid="8"/>
+                                        </p:tgtEl>
+                                        <p:attrNameLst>
+                                          <p:attrName>style.visibility</p:attrName>
+                                        </p:attrNameLst>
+                                      </p:cBhvr>
+                                      <p:to>
+                                        <p:strVal val="visible"/>
+                                      </p:to>
+                                    </p:set>
+                                  </p:childTnLst>
+                                </p:cTn>
+                              </p:par>
+                            </p:childTnLst>
+                          </p:cTn>
+                        </p:par>
+                      </p:childTnLst>
+                    </p:cTn>
+                  </p:par>
+                </p:childTnLst>
+              </p:cTn>
+              <p:prevCondLst>
+                <p:cond evt="onPrev" delay="0">
+                  <p:tgtEl>
+                    <p:sldTgt/>
+                  </p:tgtEl>
+                </p:cond>
+              </p:prevCondLst>
+              <p:nextCondLst>
+                <p:cond evt="onNext" delay="0">
+                  <p:tgtEl>
+                    <p:sldTgt/>
+                  </p:tgtEl>
+                </p:cond>
+              </p:nextCondLst>
+            </p:seq>
+          </p:childTnLst>
+        </p:cTn>
       </p:par>
     </p:tnLst>
+    <p:bldLst>
+      <p:bldP spid="6" grpId="0"/>
+      <p:bldP spid="7" grpId="0"/>
+      <p:bldP spid="9" grpId="0"/>
+    </p:bldLst>
   </p:timing>
 </p:sld>
 </file>
@@ -9703,6 +13725,52 @@
           </a:p>
         </p:txBody>
       </p:sp>
+      <p:sp>
+        <p:nvSpPr>
+          <p:cNvPr id="2" name="Rectangle 1"/>
+          <p:cNvSpPr/>
+          <p:nvPr/>
+        </p:nvSpPr>
+        <p:spPr>
+          <a:xfrm>
+            <a:off x="161925" y="4585855"/>
+            <a:ext cx="3952875" cy="1205344"/>
+          </a:xfrm>
+          <a:prstGeom prst="rect">
+            <a:avLst/>
+          </a:prstGeom>
+          <a:noFill/>
+          <a:ln w="38100">
+            <a:solidFill>
+              <a:srgbClr val="00B050"/>
+            </a:solidFill>
+          </a:ln>
+        </p:spPr>
+        <p:style>
+          <a:lnRef idx="2">
+            <a:schemeClr val="accent1">
+              <a:shade val="50000"/>
+            </a:schemeClr>
+          </a:lnRef>
+          <a:fillRef idx="1">
+            <a:schemeClr val="accent1"/>
+          </a:fillRef>
+          <a:effectRef idx="0">
+            <a:schemeClr val="accent1"/>
+          </a:effectRef>
+          <a:fontRef idx="minor">
+            <a:schemeClr val="lt1"/>
+          </a:fontRef>
+        </p:style>
+        <p:txBody>
+          <a:bodyPr rtlCol="0" anchor="ctr"/>
+          <a:lstStyle/>
+          <a:p>
+            <a:pPr algn="ctr"/>
+            <a:endParaRPr lang="en-CA"/>
+          </a:p>
+        </p:txBody>
+      </p:sp>
     </p:spTree>
     <p:extLst>
       <p:ext uri="{BB962C8B-B14F-4D97-AF65-F5344CB8AC3E}">
@@ -9716,9 +13784,154 @@
   <p:timing>
     <p:tnLst>
       <p:par>
-        <p:cTn id="1" dur="indefinite" restart="never" nodeType="tmRoot"/>
+        <p:cTn id="1" dur="indefinite" restart="never" nodeType="tmRoot">
+          <p:childTnLst>
+            <p:seq concurrent="1" nextAc="seek">
+              <p:cTn id="2" dur="indefinite" nodeType="mainSeq">
+                <p:childTnLst>
+                  <p:par>
+                    <p:cTn id="3" fill="hold">
+                      <p:stCondLst>
+                        <p:cond delay="indefinite"/>
+                      </p:stCondLst>
+                      <p:childTnLst>
+                        <p:par>
+                          <p:cTn id="4" fill="hold">
+                            <p:stCondLst>
+                              <p:cond delay="0"/>
+                            </p:stCondLst>
+                            <p:childTnLst>
+                              <p:par>
+                                <p:cTn id="5" presetID="1" presetClass="entr" presetSubtype="0" fill="hold" grpId="0" nodeType="clickEffect">
+                                  <p:stCondLst>
+                                    <p:cond delay="0"/>
+                                  </p:stCondLst>
+                                  <p:childTnLst>
+                                    <p:set>
+                                      <p:cBhvr>
+                                        <p:cTn id="6" dur="1" fill="hold">
+                                          <p:stCondLst>
+                                            <p:cond delay="0"/>
+                                          </p:stCondLst>
+                                        </p:cTn>
+                                        <p:tgtEl>
+                                          <p:spTgt spid="2"/>
+                                        </p:tgtEl>
+                                        <p:attrNameLst>
+                                          <p:attrName>style.visibility</p:attrName>
+                                        </p:attrNameLst>
+                                      </p:cBhvr>
+                                      <p:to>
+                                        <p:strVal val="visible"/>
+                                      </p:to>
+                                    </p:set>
+                                  </p:childTnLst>
+                                </p:cTn>
+                              </p:par>
+                            </p:childTnLst>
+                          </p:cTn>
+                        </p:par>
+                      </p:childTnLst>
+                    </p:cTn>
+                  </p:par>
+                  <p:par>
+                    <p:cTn id="7" fill="hold">
+                      <p:stCondLst>
+                        <p:cond delay="indefinite"/>
+                      </p:stCondLst>
+                      <p:childTnLst>
+                        <p:par>
+                          <p:cTn id="8" fill="hold">
+                            <p:stCondLst>
+                              <p:cond delay="0"/>
+                            </p:stCondLst>
+                            <p:childTnLst>
+                              <p:par>
+                                <p:cTn id="9" presetID="1" presetClass="entr" presetSubtype="0" fill="hold" grpId="0" nodeType="clickEffect">
+                                  <p:stCondLst>
+                                    <p:cond delay="0"/>
+                                  </p:stCondLst>
+                                  <p:childTnLst>
+                                    <p:set>
+                                      <p:cBhvr>
+                                        <p:cTn id="10" dur="1" fill="hold">
+                                          <p:stCondLst>
+                                            <p:cond delay="0"/>
+                                          </p:stCondLst>
+                                        </p:cTn>
+                                        <p:tgtEl>
+                                          <p:spTgt spid="10"/>
+                                        </p:tgtEl>
+                                        <p:attrNameLst>
+                                          <p:attrName>style.visibility</p:attrName>
+                                        </p:attrNameLst>
+                                      </p:cBhvr>
+                                      <p:to>
+                                        <p:strVal val="visible"/>
+                                      </p:to>
+                                    </p:set>
+                                  </p:childTnLst>
+                                </p:cTn>
+                              </p:par>
+                              <p:par>
+                                <p:cTn id="11" presetID="1" presetClass="entr" presetSubtype="0" fill="hold" grpId="0" nodeType="withEffect">
+                                  <p:stCondLst>
+                                    <p:cond delay="0"/>
+                                  </p:stCondLst>
+                                  <p:childTnLst>
+                                    <p:set>
+                                      <p:cBhvr>
+                                        <p:cTn id="12" dur="1" fill="hold">
+                                          <p:stCondLst>
+                                            <p:cond delay="0"/>
+                                          </p:stCondLst>
+                                        </p:cTn>
+                                        <p:tgtEl>
+                                          <p:spTgt spid="11"/>
+                                        </p:tgtEl>
+                                        <p:attrNameLst>
+                                          <p:attrName>style.visibility</p:attrName>
+                                        </p:attrNameLst>
+                                      </p:cBhvr>
+                                      <p:to>
+                                        <p:strVal val="visible"/>
+                                      </p:to>
+                                    </p:set>
+                                  </p:childTnLst>
+                                </p:cTn>
+                              </p:par>
+                            </p:childTnLst>
+                          </p:cTn>
+                        </p:par>
+                      </p:childTnLst>
+                    </p:cTn>
+                  </p:par>
+                </p:childTnLst>
+              </p:cTn>
+              <p:prevCondLst>
+                <p:cond evt="onPrev" delay="0">
+                  <p:tgtEl>
+                    <p:sldTgt/>
+                  </p:tgtEl>
+                </p:cond>
+              </p:prevCondLst>
+              <p:nextCondLst>
+                <p:cond evt="onNext" delay="0">
+                  <p:tgtEl>
+                    <p:sldTgt/>
+                  </p:tgtEl>
+                </p:cond>
+              </p:nextCondLst>
+            </p:seq>
+          </p:childTnLst>
+        </p:cTn>
       </p:par>
     </p:tnLst>
+    <p:bldLst>
+      <p:bldP spid="10" grpId="0"/>
+      <p:bldP spid="11" grpId="0"/>
+      <p:bldP spid="2" grpId="0" animBg="1"/>
+    </p:bldLst>
   </p:timing>
 </p:sld>
 </file>
